--- a/pizarra.pptx
+++ b/pizarra.pptx
@@ -12,6 +12,7 @@
     <p:sldId id="260" r:id="rId6"/>
     <p:sldId id="261" r:id="rId7"/>
     <p:sldId id="262" r:id="rId8"/>
+    <p:sldId id="263" r:id="rId9"/>
   </p:sldIdLst>
   <p:sldSz cx="9144000" cy="6858000" type="screen4x3"/>
   <p:notesSz cx="6858000" cy="9144000"/>
@@ -295,7 +296,7 @@
             <a:fld id="{7A847CFC-816F-41D0-AAC0-9BF4FEBC753E}" type="datetimeFigureOut">
               <a:rPr lang="es-ES" smtClean="0"/>
               <a:pPr/>
-              <a:t>27/05/2025</a:t>
+              <a:t>02/06/2025</a:t>
             </a:fld>
             <a:endParaRPr lang="es-ES"/>
           </a:p>
@@ -462,7 +463,7 @@
             <a:fld id="{7A847CFC-816F-41D0-AAC0-9BF4FEBC753E}" type="datetimeFigureOut">
               <a:rPr lang="es-ES" smtClean="0"/>
               <a:pPr/>
-              <a:t>27/05/2025</a:t>
+              <a:t>02/06/2025</a:t>
             </a:fld>
             <a:endParaRPr lang="es-ES"/>
           </a:p>
@@ -639,7 +640,7 @@
             <a:fld id="{7A847CFC-816F-41D0-AAC0-9BF4FEBC753E}" type="datetimeFigureOut">
               <a:rPr lang="es-ES" smtClean="0"/>
               <a:pPr/>
-              <a:t>27/05/2025</a:t>
+              <a:t>02/06/2025</a:t>
             </a:fld>
             <a:endParaRPr lang="es-ES"/>
           </a:p>
@@ -806,7 +807,7 @@
             <a:fld id="{7A847CFC-816F-41D0-AAC0-9BF4FEBC753E}" type="datetimeFigureOut">
               <a:rPr lang="es-ES" smtClean="0"/>
               <a:pPr/>
-              <a:t>27/05/2025</a:t>
+              <a:t>02/06/2025</a:t>
             </a:fld>
             <a:endParaRPr lang="es-ES"/>
           </a:p>
@@ -1049,7 +1050,7 @@
             <a:fld id="{7A847CFC-816F-41D0-AAC0-9BF4FEBC753E}" type="datetimeFigureOut">
               <a:rPr lang="es-ES" smtClean="0"/>
               <a:pPr/>
-              <a:t>27/05/2025</a:t>
+              <a:t>02/06/2025</a:t>
             </a:fld>
             <a:endParaRPr lang="es-ES"/>
           </a:p>
@@ -1334,7 +1335,7 @@
             <a:fld id="{7A847CFC-816F-41D0-AAC0-9BF4FEBC753E}" type="datetimeFigureOut">
               <a:rPr lang="es-ES" smtClean="0"/>
               <a:pPr/>
-              <a:t>27/05/2025</a:t>
+              <a:t>02/06/2025</a:t>
             </a:fld>
             <a:endParaRPr lang="es-ES"/>
           </a:p>
@@ -1753,7 +1754,7 @@
             <a:fld id="{7A847CFC-816F-41D0-AAC0-9BF4FEBC753E}" type="datetimeFigureOut">
               <a:rPr lang="es-ES" smtClean="0"/>
               <a:pPr/>
-              <a:t>27/05/2025</a:t>
+              <a:t>02/06/2025</a:t>
             </a:fld>
             <a:endParaRPr lang="es-ES"/>
           </a:p>
@@ -1868,7 +1869,7 @@
             <a:fld id="{7A847CFC-816F-41D0-AAC0-9BF4FEBC753E}" type="datetimeFigureOut">
               <a:rPr lang="es-ES" smtClean="0"/>
               <a:pPr/>
-              <a:t>27/05/2025</a:t>
+              <a:t>02/06/2025</a:t>
             </a:fld>
             <a:endParaRPr lang="es-ES"/>
           </a:p>
@@ -1960,7 +1961,7 @@
             <a:fld id="{7A847CFC-816F-41D0-AAC0-9BF4FEBC753E}" type="datetimeFigureOut">
               <a:rPr lang="es-ES" smtClean="0"/>
               <a:pPr/>
-              <a:t>27/05/2025</a:t>
+              <a:t>02/06/2025</a:t>
             </a:fld>
             <a:endParaRPr lang="es-ES"/>
           </a:p>
@@ -2234,7 +2235,7 @@
             <a:fld id="{7A847CFC-816F-41D0-AAC0-9BF4FEBC753E}" type="datetimeFigureOut">
               <a:rPr lang="es-ES" smtClean="0"/>
               <a:pPr/>
-              <a:t>27/05/2025</a:t>
+              <a:t>02/06/2025</a:t>
             </a:fld>
             <a:endParaRPr lang="es-ES"/>
           </a:p>
@@ -2484,7 +2485,7 @@
             <a:fld id="{7A847CFC-816F-41D0-AAC0-9BF4FEBC753E}" type="datetimeFigureOut">
               <a:rPr lang="es-ES" smtClean="0"/>
               <a:pPr/>
-              <a:t>27/05/2025</a:t>
+              <a:t>02/06/2025</a:t>
             </a:fld>
             <a:endParaRPr lang="es-ES"/>
           </a:p>
@@ -2694,7 +2695,7 @@
             <a:fld id="{7A847CFC-816F-41D0-AAC0-9BF4FEBC753E}" type="datetimeFigureOut">
               <a:rPr lang="es-ES" smtClean="0"/>
               <a:pPr/>
-              <a:t>27/05/2025</a:t>
+              <a:t>02/06/2025</a:t>
             </a:fld>
             <a:endParaRPr lang="es-ES"/>
           </a:p>
@@ -6257,6 +6258,428 @@
           </a:ln>
         </p:spPr>
       </p:pic>
+    </p:spTree>
+  </p:cSld>
+  <p:clrMapOvr>
+    <a:masterClrMapping/>
+  </p:clrMapOvr>
+</p:sld>
+</file>
+
+<file path=ppt/slides/slide8.xml><?xml version="1.0" encoding="utf-8"?>
+<p:sld xmlns:a="http://schemas.openxmlformats.org/drawingml/2006/main" xmlns:r="http://schemas.openxmlformats.org/officeDocument/2006/relationships" xmlns:p="http://schemas.openxmlformats.org/presentationml/2006/main">
+  <p:cSld>
+    <p:spTree>
+      <p:nvGrpSpPr>
+        <p:cNvPr id="1" name=""/>
+        <p:cNvGrpSpPr/>
+        <p:nvPr/>
+      </p:nvGrpSpPr>
+      <p:grpSpPr>
+        <a:xfrm>
+          <a:off x="0" y="0"/>
+          <a:ext cx="0" cy="0"/>
+          <a:chOff x="0" y="0"/>
+          <a:chExt cx="0" cy="0"/>
+        </a:xfrm>
+      </p:grpSpPr>
+      <p:sp>
+        <p:nvSpPr>
+          <p:cNvPr id="2" name="1 Elipse"/>
+          <p:cNvSpPr/>
+          <p:nvPr/>
+        </p:nvSpPr>
+        <p:spPr>
+          <a:xfrm>
+            <a:off x="971600" y="1412776"/>
+            <a:ext cx="1728192" cy="1584176"/>
+          </a:xfrm>
+          <a:prstGeom prst="ellipse">
+            <a:avLst/>
+          </a:prstGeom>
+        </p:spPr>
+        <p:style>
+          <a:lnRef idx="2">
+            <a:schemeClr val="accent1">
+              <a:shade val="50000"/>
+            </a:schemeClr>
+          </a:lnRef>
+          <a:fillRef idx="1">
+            <a:schemeClr val="accent1"/>
+          </a:fillRef>
+          <a:effectRef idx="0">
+            <a:schemeClr val="accent1"/>
+          </a:effectRef>
+          <a:fontRef idx="minor">
+            <a:schemeClr val="lt1"/>
+          </a:fontRef>
+        </p:style>
+        <p:txBody>
+          <a:bodyPr rtlCol="0" anchor="ctr"/>
+          <a:lstStyle/>
+          <a:p>
+            <a:pPr algn="ctr"/>
+            <a:endParaRPr lang="es-ES"/>
+          </a:p>
+        </p:txBody>
+      </p:sp>
+      <p:sp>
+        <p:nvSpPr>
+          <p:cNvPr id="3" name="2 CuadroTexto"/>
+          <p:cNvSpPr txBox="1"/>
+          <p:nvPr/>
+        </p:nvSpPr>
+        <p:spPr>
+          <a:xfrm>
+            <a:off x="1259632" y="980728"/>
+            <a:ext cx="1872208" cy="369332"/>
+          </a:xfrm>
+          <a:prstGeom prst="rect">
+            <a:avLst/>
+          </a:prstGeom>
+          <a:noFill/>
+        </p:spPr>
+        <p:txBody>
+          <a:bodyPr wrap="square" rtlCol="0">
+            <a:spAutoFit/>
+          </a:bodyPr>
+          <a:lstStyle/>
+          <a:p>
+            <a:r>
+              <a:rPr lang="es-ES" dirty="0" smtClean="0"/>
+              <a:t>Alumno</a:t>
+            </a:r>
+            <a:endParaRPr lang="es-ES" dirty="0"/>
+          </a:p>
+        </p:txBody>
+      </p:sp>
+      <p:sp>
+        <p:nvSpPr>
+          <p:cNvPr id="4" name="3 Elipse"/>
+          <p:cNvSpPr/>
+          <p:nvPr/>
+        </p:nvSpPr>
+        <p:spPr>
+          <a:xfrm>
+            <a:off x="5580112" y="1412776"/>
+            <a:ext cx="1728192" cy="1584176"/>
+          </a:xfrm>
+          <a:prstGeom prst="ellipse">
+            <a:avLst/>
+          </a:prstGeom>
+        </p:spPr>
+        <p:style>
+          <a:lnRef idx="2">
+            <a:schemeClr val="accent1">
+              <a:shade val="50000"/>
+            </a:schemeClr>
+          </a:lnRef>
+          <a:fillRef idx="1">
+            <a:schemeClr val="accent1"/>
+          </a:fillRef>
+          <a:effectRef idx="0">
+            <a:schemeClr val="accent1"/>
+          </a:effectRef>
+          <a:fontRef idx="minor">
+            <a:schemeClr val="lt1"/>
+          </a:fontRef>
+        </p:style>
+        <p:txBody>
+          <a:bodyPr rtlCol="0" anchor="ctr"/>
+          <a:lstStyle/>
+          <a:p>
+            <a:pPr algn="ctr"/>
+            <a:endParaRPr lang="es-ES"/>
+          </a:p>
+        </p:txBody>
+      </p:sp>
+      <p:sp>
+        <p:nvSpPr>
+          <p:cNvPr id="5" name="4 CuadroTexto"/>
+          <p:cNvSpPr txBox="1"/>
+          <p:nvPr/>
+        </p:nvSpPr>
+        <p:spPr>
+          <a:xfrm>
+            <a:off x="5868144" y="980728"/>
+            <a:ext cx="1872208" cy="369332"/>
+          </a:xfrm>
+          <a:prstGeom prst="rect">
+            <a:avLst/>
+          </a:prstGeom>
+          <a:noFill/>
+        </p:spPr>
+        <p:txBody>
+          <a:bodyPr wrap="square" rtlCol="0">
+            <a:spAutoFit/>
+          </a:bodyPr>
+          <a:lstStyle/>
+          <a:p>
+            <a:r>
+              <a:rPr lang="es-ES" dirty="0" smtClean="0"/>
+              <a:t>Curso</a:t>
+            </a:r>
+            <a:endParaRPr lang="es-ES" dirty="0"/>
+          </a:p>
+        </p:txBody>
+      </p:sp>
+      <p:cxnSp>
+        <p:nvCxnSpPr>
+          <p:cNvPr id="7" name="6 Conector recto de flecha"/>
+          <p:cNvCxnSpPr/>
+          <p:nvPr/>
+        </p:nvCxnSpPr>
+        <p:spPr>
+          <a:xfrm>
+            <a:off x="2699792" y="1916832"/>
+            <a:ext cx="2880320" cy="0"/>
+          </a:xfrm>
+          <a:prstGeom prst="straightConnector1">
+            <a:avLst/>
+          </a:prstGeom>
+          <a:ln>
+            <a:tailEnd type="arrow"/>
+          </a:ln>
+        </p:spPr>
+        <p:style>
+          <a:lnRef idx="1">
+            <a:schemeClr val="accent1"/>
+          </a:lnRef>
+          <a:fillRef idx="0">
+            <a:schemeClr val="accent1"/>
+          </a:fillRef>
+          <a:effectRef idx="0">
+            <a:schemeClr val="accent1"/>
+          </a:effectRef>
+          <a:fontRef idx="minor">
+            <a:schemeClr val="tx1"/>
+          </a:fontRef>
+        </p:style>
+      </p:cxnSp>
+      <p:cxnSp>
+        <p:nvCxnSpPr>
+          <p:cNvPr id="9" name="8 Conector recto de flecha"/>
+          <p:cNvCxnSpPr/>
+          <p:nvPr/>
+        </p:nvCxnSpPr>
+        <p:spPr>
+          <a:xfrm flipH="1" flipV="1">
+            <a:off x="2627784" y="2564904"/>
+            <a:ext cx="3024336" cy="72008"/>
+          </a:xfrm>
+          <a:prstGeom prst="straightConnector1">
+            <a:avLst/>
+          </a:prstGeom>
+          <a:ln>
+            <a:tailEnd type="arrow"/>
+          </a:ln>
+        </p:spPr>
+        <p:style>
+          <a:lnRef idx="1">
+            <a:schemeClr val="accent1"/>
+          </a:lnRef>
+          <a:fillRef idx="0">
+            <a:schemeClr val="accent1"/>
+          </a:fillRef>
+          <a:effectRef idx="0">
+            <a:schemeClr val="accent1"/>
+          </a:effectRef>
+          <a:fontRef idx="minor">
+            <a:schemeClr val="tx1"/>
+          </a:fontRef>
+        </p:style>
+      </p:cxnSp>
+      <p:sp>
+        <p:nvSpPr>
+          <p:cNvPr id="10" name="9 CuadroTexto"/>
+          <p:cNvSpPr txBox="1"/>
+          <p:nvPr/>
+        </p:nvSpPr>
+        <p:spPr>
+          <a:xfrm>
+            <a:off x="2771800" y="1556792"/>
+            <a:ext cx="1080120" cy="400110"/>
+          </a:xfrm>
+          <a:prstGeom prst="rect">
+            <a:avLst/>
+          </a:prstGeom>
+          <a:noFill/>
+        </p:spPr>
+        <p:txBody>
+          <a:bodyPr wrap="square" rtlCol="0">
+            <a:spAutoFit/>
+          </a:bodyPr>
+          <a:lstStyle/>
+          <a:p>
+            <a:r>
+              <a:rPr lang="es-ES" sz="2000" dirty="0" smtClean="0"/>
+              <a:t>n</a:t>
+            </a:r>
+            <a:endParaRPr lang="es-ES" sz="2000" dirty="0"/>
+          </a:p>
+        </p:txBody>
+      </p:sp>
+      <p:sp>
+        <p:nvSpPr>
+          <p:cNvPr id="11" name="10 CuadroTexto"/>
+          <p:cNvSpPr txBox="1"/>
+          <p:nvPr/>
+        </p:nvSpPr>
+        <p:spPr>
+          <a:xfrm>
+            <a:off x="5076056" y="1556792"/>
+            <a:ext cx="1080120" cy="400110"/>
+          </a:xfrm>
+          <a:prstGeom prst="rect">
+            <a:avLst/>
+          </a:prstGeom>
+          <a:noFill/>
+        </p:spPr>
+        <p:txBody>
+          <a:bodyPr wrap="square" rtlCol="0">
+            <a:spAutoFit/>
+          </a:bodyPr>
+          <a:lstStyle/>
+          <a:p>
+            <a:r>
+              <a:rPr lang="es-ES" sz="2000" dirty="0" smtClean="0"/>
+              <a:t>n</a:t>
+            </a:r>
+            <a:endParaRPr lang="es-ES" sz="2000" dirty="0"/>
+          </a:p>
+        </p:txBody>
+      </p:sp>
+      <p:sp>
+        <p:nvSpPr>
+          <p:cNvPr id="12" name="11 CuadroTexto"/>
+          <p:cNvSpPr txBox="1"/>
+          <p:nvPr/>
+        </p:nvSpPr>
+        <p:spPr>
+          <a:xfrm>
+            <a:off x="5076056" y="2276872"/>
+            <a:ext cx="1080120" cy="400110"/>
+          </a:xfrm>
+          <a:prstGeom prst="rect">
+            <a:avLst/>
+          </a:prstGeom>
+          <a:noFill/>
+        </p:spPr>
+        <p:txBody>
+          <a:bodyPr wrap="square" rtlCol="0">
+            <a:spAutoFit/>
+          </a:bodyPr>
+          <a:lstStyle/>
+          <a:p>
+            <a:r>
+              <a:rPr lang="es-ES" sz="2000" dirty="0" smtClean="0"/>
+              <a:t>n</a:t>
+            </a:r>
+            <a:endParaRPr lang="es-ES" sz="2000" dirty="0"/>
+          </a:p>
+        </p:txBody>
+      </p:sp>
+      <p:sp>
+        <p:nvSpPr>
+          <p:cNvPr id="13" name="12 CuadroTexto"/>
+          <p:cNvSpPr txBox="1"/>
+          <p:nvPr/>
+        </p:nvSpPr>
+        <p:spPr>
+          <a:xfrm>
+            <a:off x="2771800" y="2204864"/>
+            <a:ext cx="1080120" cy="400110"/>
+          </a:xfrm>
+          <a:prstGeom prst="rect">
+            <a:avLst/>
+          </a:prstGeom>
+          <a:noFill/>
+        </p:spPr>
+        <p:txBody>
+          <a:bodyPr wrap="square" rtlCol="0">
+            <a:spAutoFit/>
+          </a:bodyPr>
+          <a:lstStyle/>
+          <a:p>
+            <a:r>
+              <a:rPr lang="es-ES" sz="2000" dirty="0" smtClean="0"/>
+              <a:t>n</a:t>
+            </a:r>
+            <a:endParaRPr lang="es-ES" sz="2000" dirty="0"/>
+          </a:p>
+        </p:txBody>
+      </p:sp>
+      <p:sp>
+        <p:nvSpPr>
+          <p:cNvPr id="14" name="13 Rectángulo"/>
+          <p:cNvSpPr/>
+          <p:nvPr/>
+        </p:nvSpPr>
+        <p:spPr>
+          <a:xfrm>
+            <a:off x="2699792" y="4365104"/>
+            <a:ext cx="2664296" cy="1368152"/>
+          </a:xfrm>
+          <a:prstGeom prst="rect">
+            <a:avLst/>
+          </a:prstGeom>
+          <a:noFill/>
+        </p:spPr>
+        <p:style>
+          <a:lnRef idx="2">
+            <a:schemeClr val="accent1">
+              <a:shade val="50000"/>
+            </a:schemeClr>
+          </a:lnRef>
+          <a:fillRef idx="1">
+            <a:schemeClr val="accent1"/>
+          </a:fillRef>
+          <a:effectRef idx="0">
+            <a:schemeClr val="accent1"/>
+          </a:effectRef>
+          <a:fontRef idx="minor">
+            <a:schemeClr val="lt1"/>
+          </a:fontRef>
+        </p:style>
+        <p:txBody>
+          <a:bodyPr rtlCol="0" anchor="ctr"/>
+          <a:lstStyle/>
+          <a:p>
+            <a:pPr algn="ctr"/>
+            <a:endParaRPr lang="es-ES"/>
+          </a:p>
+        </p:txBody>
+      </p:sp>
+      <p:sp>
+        <p:nvSpPr>
+          <p:cNvPr id="15" name="14 CuadroTexto"/>
+          <p:cNvSpPr txBox="1"/>
+          <p:nvPr/>
+        </p:nvSpPr>
+        <p:spPr>
+          <a:xfrm>
+            <a:off x="2987824" y="3933056"/>
+            <a:ext cx="2088232" cy="369332"/>
+          </a:xfrm>
+          <a:prstGeom prst="rect">
+            <a:avLst/>
+          </a:prstGeom>
+          <a:noFill/>
+        </p:spPr>
+        <p:txBody>
+          <a:bodyPr wrap="square" rtlCol="0">
+            <a:spAutoFit/>
+          </a:bodyPr>
+          <a:lstStyle/>
+          <a:p>
+            <a:r>
+              <a:rPr lang="es-ES" dirty="0" smtClean="0"/>
+              <a:t>matriculas</a:t>
+            </a:r>
+            <a:endParaRPr lang="es-ES" dirty="0"/>
+          </a:p>
+        </p:txBody>
+      </p:sp>
     </p:spTree>
   </p:cSld>
   <p:clrMapOvr>

--- a/pizarra.pptx
+++ b/pizarra.pptx
@@ -13,6 +13,7 @@
     <p:sldId id="261" r:id="rId7"/>
     <p:sldId id="262" r:id="rId8"/>
     <p:sldId id="263" r:id="rId9"/>
+    <p:sldId id="264" r:id="rId10"/>
   </p:sldIdLst>
   <p:sldSz cx="9144000" cy="6858000" type="screen4x3"/>
   <p:notesSz cx="6858000" cy="9144000"/>
@@ -296,7 +297,7 @@
             <a:fld id="{7A847CFC-816F-41D0-AAC0-9BF4FEBC753E}" type="datetimeFigureOut">
               <a:rPr lang="es-ES" smtClean="0"/>
               <a:pPr/>
-              <a:t>02/06/2025</a:t>
+              <a:t>03/06/2025</a:t>
             </a:fld>
             <a:endParaRPr lang="es-ES"/>
           </a:p>
@@ -463,7 +464,7 @@
             <a:fld id="{7A847CFC-816F-41D0-AAC0-9BF4FEBC753E}" type="datetimeFigureOut">
               <a:rPr lang="es-ES" smtClean="0"/>
               <a:pPr/>
-              <a:t>02/06/2025</a:t>
+              <a:t>03/06/2025</a:t>
             </a:fld>
             <a:endParaRPr lang="es-ES"/>
           </a:p>
@@ -640,7 +641,7 @@
             <a:fld id="{7A847CFC-816F-41D0-AAC0-9BF4FEBC753E}" type="datetimeFigureOut">
               <a:rPr lang="es-ES" smtClean="0"/>
               <a:pPr/>
-              <a:t>02/06/2025</a:t>
+              <a:t>03/06/2025</a:t>
             </a:fld>
             <a:endParaRPr lang="es-ES"/>
           </a:p>
@@ -807,7 +808,7 @@
             <a:fld id="{7A847CFC-816F-41D0-AAC0-9BF4FEBC753E}" type="datetimeFigureOut">
               <a:rPr lang="es-ES" smtClean="0"/>
               <a:pPr/>
-              <a:t>02/06/2025</a:t>
+              <a:t>03/06/2025</a:t>
             </a:fld>
             <a:endParaRPr lang="es-ES"/>
           </a:p>
@@ -1050,7 +1051,7 @@
             <a:fld id="{7A847CFC-816F-41D0-AAC0-9BF4FEBC753E}" type="datetimeFigureOut">
               <a:rPr lang="es-ES" smtClean="0"/>
               <a:pPr/>
-              <a:t>02/06/2025</a:t>
+              <a:t>03/06/2025</a:t>
             </a:fld>
             <a:endParaRPr lang="es-ES"/>
           </a:p>
@@ -1335,7 +1336,7 @@
             <a:fld id="{7A847CFC-816F-41D0-AAC0-9BF4FEBC753E}" type="datetimeFigureOut">
               <a:rPr lang="es-ES" smtClean="0"/>
               <a:pPr/>
-              <a:t>02/06/2025</a:t>
+              <a:t>03/06/2025</a:t>
             </a:fld>
             <a:endParaRPr lang="es-ES"/>
           </a:p>
@@ -1754,7 +1755,7 @@
             <a:fld id="{7A847CFC-816F-41D0-AAC0-9BF4FEBC753E}" type="datetimeFigureOut">
               <a:rPr lang="es-ES" smtClean="0"/>
               <a:pPr/>
-              <a:t>02/06/2025</a:t>
+              <a:t>03/06/2025</a:t>
             </a:fld>
             <a:endParaRPr lang="es-ES"/>
           </a:p>
@@ -1869,7 +1870,7 @@
             <a:fld id="{7A847CFC-816F-41D0-AAC0-9BF4FEBC753E}" type="datetimeFigureOut">
               <a:rPr lang="es-ES" smtClean="0"/>
               <a:pPr/>
-              <a:t>02/06/2025</a:t>
+              <a:t>03/06/2025</a:t>
             </a:fld>
             <a:endParaRPr lang="es-ES"/>
           </a:p>
@@ -1961,7 +1962,7 @@
             <a:fld id="{7A847CFC-816F-41D0-AAC0-9BF4FEBC753E}" type="datetimeFigureOut">
               <a:rPr lang="es-ES" smtClean="0"/>
               <a:pPr/>
-              <a:t>02/06/2025</a:t>
+              <a:t>03/06/2025</a:t>
             </a:fld>
             <a:endParaRPr lang="es-ES"/>
           </a:p>
@@ -2235,7 +2236,7 @@
             <a:fld id="{7A847CFC-816F-41D0-AAC0-9BF4FEBC753E}" type="datetimeFigureOut">
               <a:rPr lang="es-ES" smtClean="0"/>
               <a:pPr/>
-              <a:t>02/06/2025</a:t>
+              <a:t>03/06/2025</a:t>
             </a:fld>
             <a:endParaRPr lang="es-ES"/>
           </a:p>
@@ -2485,7 +2486,7 @@
             <a:fld id="{7A847CFC-816F-41D0-AAC0-9BF4FEBC753E}" type="datetimeFigureOut">
               <a:rPr lang="es-ES" smtClean="0"/>
               <a:pPr/>
-              <a:t>02/06/2025</a:t>
+              <a:t>03/06/2025</a:t>
             </a:fld>
             <a:endParaRPr lang="es-ES"/>
           </a:p>
@@ -2695,7 +2696,7 @@
             <a:fld id="{7A847CFC-816F-41D0-AAC0-9BF4FEBC753E}" type="datetimeFigureOut">
               <a:rPr lang="es-ES" smtClean="0"/>
               <a:pPr/>
-              <a:t>02/06/2025</a:t>
+              <a:t>03/06/2025</a:t>
             </a:fld>
             <a:endParaRPr lang="es-ES"/>
           </a:p>
@@ -6675,6 +6676,577 @@
             <a:r>
               <a:rPr lang="es-ES" dirty="0" smtClean="0"/>
               <a:t>matriculas</a:t>
+            </a:r>
+            <a:endParaRPr lang="es-ES" dirty="0"/>
+          </a:p>
+        </p:txBody>
+      </p:sp>
+    </p:spTree>
+  </p:cSld>
+  <p:clrMapOvr>
+    <a:masterClrMapping/>
+  </p:clrMapOvr>
+</p:sld>
+</file>
+
+<file path=ppt/slides/slide9.xml><?xml version="1.0" encoding="utf-8"?>
+<p:sld xmlns:a="http://schemas.openxmlformats.org/drawingml/2006/main" xmlns:r="http://schemas.openxmlformats.org/officeDocument/2006/relationships" xmlns:p="http://schemas.openxmlformats.org/presentationml/2006/main">
+  <p:cSld>
+    <p:spTree>
+      <p:nvGrpSpPr>
+        <p:cNvPr id="1" name=""/>
+        <p:cNvGrpSpPr/>
+        <p:nvPr/>
+      </p:nvGrpSpPr>
+      <p:grpSpPr>
+        <a:xfrm>
+          <a:off x="0" y="0"/>
+          <a:ext cx="0" cy="0"/>
+          <a:chOff x="0" y="0"/>
+          <a:chExt cx="0" cy="0"/>
+        </a:xfrm>
+      </p:grpSpPr>
+      <p:sp>
+        <p:nvSpPr>
+          <p:cNvPr id="2" name="1 CuadroTexto"/>
+          <p:cNvSpPr txBox="1"/>
+          <p:nvPr/>
+        </p:nvSpPr>
+        <p:spPr>
+          <a:xfrm>
+            <a:off x="2699792" y="548680"/>
+            <a:ext cx="1296144" cy="523220"/>
+          </a:xfrm>
+          <a:prstGeom prst="rect">
+            <a:avLst/>
+          </a:prstGeom>
+          <a:noFill/>
+        </p:spPr>
+        <p:txBody>
+          <a:bodyPr wrap="square" rtlCol="0">
+            <a:spAutoFit/>
+          </a:bodyPr>
+          <a:lstStyle/>
+          <a:p>
+            <a:r>
+              <a:rPr lang="es-ES" sz="2800" dirty="0" err="1" smtClean="0"/>
+              <a:t>DTOs</a:t>
+            </a:r>
+            <a:endParaRPr lang="es-ES" sz="2800" dirty="0"/>
+          </a:p>
+        </p:txBody>
+      </p:sp>
+      <p:sp>
+        <p:nvSpPr>
+          <p:cNvPr id="3" name="2 Rectángulo"/>
+          <p:cNvSpPr/>
+          <p:nvPr/>
+        </p:nvSpPr>
+        <p:spPr>
+          <a:xfrm>
+            <a:off x="467544" y="1916832"/>
+            <a:ext cx="6696744" cy="2232248"/>
+          </a:xfrm>
+          <a:prstGeom prst="rect">
+            <a:avLst/>
+          </a:prstGeom>
+          <a:noFill/>
+        </p:spPr>
+        <p:style>
+          <a:lnRef idx="2">
+            <a:schemeClr val="accent1">
+              <a:shade val="50000"/>
+            </a:schemeClr>
+          </a:lnRef>
+          <a:fillRef idx="1">
+            <a:schemeClr val="accent1"/>
+          </a:fillRef>
+          <a:effectRef idx="0">
+            <a:schemeClr val="accent1"/>
+          </a:effectRef>
+          <a:fontRef idx="minor">
+            <a:schemeClr val="lt1"/>
+          </a:fontRef>
+        </p:style>
+        <p:txBody>
+          <a:bodyPr rtlCol="0" anchor="ctr"/>
+          <a:lstStyle/>
+          <a:p>
+            <a:pPr algn="ctr"/>
+            <a:endParaRPr lang="es-ES"/>
+          </a:p>
+        </p:txBody>
+      </p:sp>
+      <p:sp>
+        <p:nvSpPr>
+          <p:cNvPr id="4" name="3 CuadroTexto"/>
+          <p:cNvSpPr txBox="1"/>
+          <p:nvPr/>
+        </p:nvSpPr>
+        <p:spPr>
+          <a:xfrm>
+            <a:off x="2771800" y="1412776"/>
+            <a:ext cx="2736304" cy="369332"/>
+          </a:xfrm>
+          <a:prstGeom prst="rect">
+            <a:avLst/>
+          </a:prstGeom>
+          <a:noFill/>
+        </p:spPr>
+        <p:txBody>
+          <a:bodyPr wrap="square" rtlCol="0">
+            <a:spAutoFit/>
+          </a:bodyPr>
+          <a:lstStyle/>
+          <a:p>
+            <a:r>
+              <a:rPr lang="es-ES" dirty="0" smtClean="0"/>
+              <a:t>Servicio REST </a:t>
+            </a:r>
+            <a:endParaRPr lang="es-ES" dirty="0"/>
+          </a:p>
+        </p:txBody>
+      </p:sp>
+      <p:sp>
+        <p:nvSpPr>
+          <p:cNvPr id="5" name="4 Disco magnético"/>
+          <p:cNvSpPr/>
+          <p:nvPr/>
+        </p:nvSpPr>
+        <p:spPr>
+          <a:xfrm>
+            <a:off x="7812360" y="2780928"/>
+            <a:ext cx="936104" cy="792088"/>
+          </a:xfrm>
+          <a:prstGeom prst="flowChartMagneticDisk">
+            <a:avLst/>
+          </a:prstGeom>
+        </p:spPr>
+        <p:style>
+          <a:lnRef idx="2">
+            <a:schemeClr val="accent1">
+              <a:shade val="50000"/>
+            </a:schemeClr>
+          </a:lnRef>
+          <a:fillRef idx="1">
+            <a:schemeClr val="accent1"/>
+          </a:fillRef>
+          <a:effectRef idx="0">
+            <a:schemeClr val="accent1"/>
+          </a:effectRef>
+          <a:fontRef idx="minor">
+            <a:schemeClr val="lt1"/>
+          </a:fontRef>
+        </p:style>
+        <p:txBody>
+          <a:bodyPr rtlCol="0" anchor="ctr"/>
+          <a:lstStyle/>
+          <a:p>
+            <a:pPr algn="ctr"/>
+            <a:endParaRPr lang="es-ES"/>
+          </a:p>
+        </p:txBody>
+      </p:sp>
+      <p:sp>
+        <p:nvSpPr>
+          <p:cNvPr id="6" name="5 Rectángulo redondeado"/>
+          <p:cNvSpPr/>
+          <p:nvPr/>
+        </p:nvSpPr>
+        <p:spPr>
+          <a:xfrm>
+            <a:off x="5220072" y="2636912"/>
+            <a:ext cx="1656184" cy="792088"/>
+          </a:xfrm>
+          <a:prstGeom prst="roundRect">
+            <a:avLst/>
+          </a:prstGeom>
+        </p:spPr>
+        <p:style>
+          <a:lnRef idx="2">
+            <a:schemeClr val="accent1">
+              <a:shade val="50000"/>
+            </a:schemeClr>
+          </a:lnRef>
+          <a:fillRef idx="1">
+            <a:schemeClr val="accent1"/>
+          </a:fillRef>
+          <a:effectRef idx="0">
+            <a:schemeClr val="accent1"/>
+          </a:effectRef>
+          <a:fontRef idx="minor">
+            <a:schemeClr val="lt1"/>
+          </a:fontRef>
+        </p:style>
+        <p:txBody>
+          <a:bodyPr rtlCol="0" anchor="ctr"/>
+          <a:lstStyle/>
+          <a:p>
+            <a:pPr algn="ctr"/>
+            <a:endParaRPr lang="es-ES"/>
+          </a:p>
+        </p:txBody>
+      </p:sp>
+      <p:sp>
+        <p:nvSpPr>
+          <p:cNvPr id="7" name="6 CuadroTexto"/>
+          <p:cNvSpPr txBox="1"/>
+          <p:nvPr/>
+        </p:nvSpPr>
+        <p:spPr>
+          <a:xfrm>
+            <a:off x="5580112" y="2852936"/>
+            <a:ext cx="1152128" cy="369332"/>
+          </a:xfrm>
+          <a:prstGeom prst="rect">
+            <a:avLst/>
+          </a:prstGeom>
+          <a:noFill/>
+        </p:spPr>
+        <p:txBody>
+          <a:bodyPr wrap="square" rtlCol="0">
+            <a:spAutoFit/>
+          </a:bodyPr>
+          <a:lstStyle/>
+          <a:p>
+            <a:r>
+              <a:rPr lang="es-ES" dirty="0" err="1" smtClean="0"/>
+              <a:t>repository</a:t>
+            </a:r>
+            <a:endParaRPr lang="es-ES" dirty="0"/>
+          </a:p>
+        </p:txBody>
+      </p:sp>
+      <p:sp>
+        <p:nvSpPr>
+          <p:cNvPr id="8" name="7 Rectángulo redondeado"/>
+          <p:cNvSpPr/>
+          <p:nvPr/>
+        </p:nvSpPr>
+        <p:spPr>
+          <a:xfrm>
+            <a:off x="3059832" y="2636912"/>
+            <a:ext cx="1656184" cy="792088"/>
+          </a:xfrm>
+          <a:prstGeom prst="roundRect">
+            <a:avLst/>
+          </a:prstGeom>
+        </p:spPr>
+        <p:style>
+          <a:lnRef idx="2">
+            <a:schemeClr val="accent1">
+              <a:shade val="50000"/>
+            </a:schemeClr>
+          </a:lnRef>
+          <a:fillRef idx="1">
+            <a:schemeClr val="accent1"/>
+          </a:fillRef>
+          <a:effectRef idx="0">
+            <a:schemeClr val="accent1"/>
+          </a:effectRef>
+          <a:fontRef idx="minor">
+            <a:schemeClr val="lt1"/>
+          </a:fontRef>
+        </p:style>
+        <p:txBody>
+          <a:bodyPr rtlCol="0" anchor="ctr"/>
+          <a:lstStyle/>
+          <a:p>
+            <a:pPr algn="ctr"/>
+            <a:endParaRPr lang="es-ES"/>
+          </a:p>
+        </p:txBody>
+      </p:sp>
+      <p:sp>
+        <p:nvSpPr>
+          <p:cNvPr id="9" name="8 CuadroTexto"/>
+          <p:cNvSpPr txBox="1"/>
+          <p:nvPr/>
+        </p:nvSpPr>
+        <p:spPr>
+          <a:xfrm>
+            <a:off x="3419872" y="2852936"/>
+            <a:ext cx="1152128" cy="369332"/>
+          </a:xfrm>
+          <a:prstGeom prst="rect">
+            <a:avLst/>
+          </a:prstGeom>
+          <a:noFill/>
+        </p:spPr>
+        <p:txBody>
+          <a:bodyPr wrap="square" rtlCol="0">
+            <a:spAutoFit/>
+          </a:bodyPr>
+          <a:lstStyle/>
+          <a:p>
+            <a:r>
+              <a:rPr lang="es-ES" dirty="0" err="1" smtClean="0"/>
+              <a:t>service</a:t>
+            </a:r>
+            <a:endParaRPr lang="es-ES" dirty="0"/>
+          </a:p>
+        </p:txBody>
+      </p:sp>
+      <p:sp>
+        <p:nvSpPr>
+          <p:cNvPr id="10" name="9 Rectángulo redondeado"/>
+          <p:cNvSpPr/>
+          <p:nvPr/>
+        </p:nvSpPr>
+        <p:spPr>
+          <a:xfrm>
+            <a:off x="755576" y="2636912"/>
+            <a:ext cx="1656184" cy="792088"/>
+          </a:xfrm>
+          <a:prstGeom prst="roundRect">
+            <a:avLst/>
+          </a:prstGeom>
+        </p:spPr>
+        <p:style>
+          <a:lnRef idx="2">
+            <a:schemeClr val="accent1">
+              <a:shade val="50000"/>
+            </a:schemeClr>
+          </a:lnRef>
+          <a:fillRef idx="1">
+            <a:schemeClr val="accent1"/>
+          </a:fillRef>
+          <a:effectRef idx="0">
+            <a:schemeClr val="accent1"/>
+          </a:effectRef>
+          <a:fontRef idx="minor">
+            <a:schemeClr val="lt1"/>
+          </a:fontRef>
+        </p:style>
+        <p:txBody>
+          <a:bodyPr rtlCol="0" anchor="ctr"/>
+          <a:lstStyle/>
+          <a:p>
+            <a:pPr algn="ctr"/>
+            <a:endParaRPr lang="es-ES"/>
+          </a:p>
+        </p:txBody>
+      </p:sp>
+      <p:sp>
+        <p:nvSpPr>
+          <p:cNvPr id="11" name="10 CuadroTexto"/>
+          <p:cNvSpPr txBox="1"/>
+          <p:nvPr/>
+        </p:nvSpPr>
+        <p:spPr>
+          <a:xfrm>
+            <a:off x="1115616" y="2852936"/>
+            <a:ext cx="1152128" cy="369332"/>
+          </a:xfrm>
+          <a:prstGeom prst="rect">
+            <a:avLst/>
+          </a:prstGeom>
+          <a:noFill/>
+        </p:spPr>
+        <p:txBody>
+          <a:bodyPr wrap="square" rtlCol="0">
+            <a:spAutoFit/>
+          </a:bodyPr>
+          <a:lstStyle/>
+          <a:p>
+            <a:r>
+              <a:rPr lang="es-ES" dirty="0" err="1" smtClean="0"/>
+              <a:t>controller</a:t>
+            </a:r>
+            <a:endParaRPr lang="es-ES" dirty="0"/>
+          </a:p>
+        </p:txBody>
+      </p:sp>
+      <p:cxnSp>
+        <p:nvCxnSpPr>
+          <p:cNvPr id="13" name="12 Conector recto de flecha"/>
+          <p:cNvCxnSpPr>
+            <a:stCxn id="8" idx="3"/>
+            <a:endCxn id="6" idx="1"/>
+          </p:cNvCxnSpPr>
+          <p:nvPr/>
+        </p:nvCxnSpPr>
+        <p:spPr>
+          <a:xfrm>
+            <a:off x="4716016" y="3032956"/>
+            <a:ext cx="504056" cy="0"/>
+          </a:xfrm>
+          <a:prstGeom prst="straightConnector1">
+            <a:avLst/>
+          </a:prstGeom>
+          <a:ln>
+            <a:headEnd type="triangle"/>
+            <a:tailEnd type="triangle"/>
+          </a:ln>
+        </p:spPr>
+        <p:style>
+          <a:lnRef idx="1">
+            <a:schemeClr val="accent1"/>
+          </a:lnRef>
+          <a:fillRef idx="0">
+            <a:schemeClr val="accent1"/>
+          </a:fillRef>
+          <a:effectRef idx="0">
+            <a:schemeClr val="accent1"/>
+          </a:effectRef>
+          <a:fontRef idx="minor">
+            <a:schemeClr val="tx1"/>
+          </a:fontRef>
+        </p:style>
+      </p:cxnSp>
+      <p:sp>
+        <p:nvSpPr>
+          <p:cNvPr id="14" name="13 CuadroTexto"/>
+          <p:cNvSpPr txBox="1"/>
+          <p:nvPr/>
+        </p:nvSpPr>
+        <p:spPr>
+          <a:xfrm>
+            <a:off x="4572000" y="2204864"/>
+            <a:ext cx="1296144" cy="369332"/>
+          </a:xfrm>
+          <a:prstGeom prst="rect">
+            <a:avLst/>
+          </a:prstGeom>
+          <a:noFill/>
+        </p:spPr>
+        <p:txBody>
+          <a:bodyPr wrap="square" rtlCol="0">
+            <a:spAutoFit/>
+          </a:bodyPr>
+          <a:lstStyle/>
+          <a:p>
+            <a:r>
+              <a:rPr lang="es-ES" dirty="0" smtClean="0"/>
+              <a:t>entidades</a:t>
+            </a:r>
+            <a:endParaRPr lang="es-ES" dirty="0"/>
+          </a:p>
+        </p:txBody>
+      </p:sp>
+      <p:cxnSp>
+        <p:nvCxnSpPr>
+          <p:cNvPr id="15" name="14 Conector recto de flecha"/>
+          <p:cNvCxnSpPr/>
+          <p:nvPr/>
+        </p:nvCxnSpPr>
+        <p:spPr>
+          <a:xfrm>
+            <a:off x="2483768" y="3068960"/>
+            <a:ext cx="504056" cy="0"/>
+          </a:xfrm>
+          <a:prstGeom prst="straightConnector1">
+            <a:avLst/>
+          </a:prstGeom>
+          <a:ln>
+            <a:headEnd type="triangle"/>
+            <a:tailEnd type="triangle"/>
+          </a:ln>
+        </p:spPr>
+        <p:style>
+          <a:lnRef idx="1">
+            <a:schemeClr val="accent1"/>
+          </a:lnRef>
+          <a:fillRef idx="0">
+            <a:schemeClr val="accent1"/>
+          </a:fillRef>
+          <a:effectRef idx="0">
+            <a:schemeClr val="accent1"/>
+          </a:effectRef>
+          <a:fontRef idx="minor">
+            <a:schemeClr val="tx1"/>
+          </a:fontRef>
+        </p:style>
+      </p:cxnSp>
+      <p:cxnSp>
+        <p:nvCxnSpPr>
+          <p:cNvPr id="16" name="15 Conector recto de flecha"/>
+          <p:cNvCxnSpPr/>
+          <p:nvPr/>
+        </p:nvCxnSpPr>
+        <p:spPr>
+          <a:xfrm>
+            <a:off x="179512" y="3068960"/>
+            <a:ext cx="504056" cy="0"/>
+          </a:xfrm>
+          <a:prstGeom prst="straightConnector1">
+            <a:avLst/>
+          </a:prstGeom>
+          <a:ln>
+            <a:headEnd type="triangle"/>
+            <a:tailEnd type="triangle"/>
+          </a:ln>
+        </p:spPr>
+        <p:style>
+          <a:lnRef idx="1">
+            <a:schemeClr val="accent1"/>
+          </a:lnRef>
+          <a:fillRef idx="0">
+            <a:schemeClr val="accent1"/>
+          </a:fillRef>
+          <a:effectRef idx="0">
+            <a:schemeClr val="accent1"/>
+          </a:effectRef>
+          <a:fontRef idx="minor">
+            <a:schemeClr val="tx1"/>
+          </a:fontRef>
+        </p:style>
+      </p:cxnSp>
+      <p:sp>
+        <p:nvSpPr>
+          <p:cNvPr id="17" name="16 CuadroTexto"/>
+          <p:cNvSpPr txBox="1"/>
+          <p:nvPr/>
+        </p:nvSpPr>
+        <p:spPr>
+          <a:xfrm>
+            <a:off x="107504" y="2708920"/>
+            <a:ext cx="1080120" cy="369332"/>
+          </a:xfrm>
+          <a:prstGeom prst="rect">
+            <a:avLst/>
+          </a:prstGeom>
+          <a:noFill/>
+        </p:spPr>
+        <p:txBody>
+          <a:bodyPr wrap="square" rtlCol="0">
+            <a:spAutoFit/>
+          </a:bodyPr>
+          <a:lstStyle/>
+          <a:p>
+            <a:r>
+              <a:rPr lang="es-ES" dirty="0" smtClean="0"/>
+              <a:t>JSON</a:t>
+            </a:r>
+            <a:endParaRPr lang="es-ES" dirty="0"/>
+          </a:p>
+        </p:txBody>
+      </p:sp>
+      <p:sp>
+        <p:nvSpPr>
+          <p:cNvPr id="18" name="17 CuadroTexto"/>
+          <p:cNvSpPr txBox="1"/>
+          <p:nvPr/>
+        </p:nvSpPr>
+        <p:spPr>
+          <a:xfrm>
+            <a:off x="2195736" y="2204864"/>
+            <a:ext cx="1296144" cy="369332"/>
+          </a:xfrm>
+          <a:prstGeom prst="rect">
+            <a:avLst/>
+          </a:prstGeom>
+          <a:noFill/>
+        </p:spPr>
+        <p:txBody>
+          <a:bodyPr wrap="square" rtlCol="0">
+            <a:spAutoFit/>
+          </a:bodyPr>
+          <a:lstStyle/>
+          <a:p>
+            <a:r>
+              <a:rPr lang="es-ES" smtClean="0"/>
+              <a:t>DTOs</a:t>
             </a:r>
             <a:endParaRPr lang="es-ES" dirty="0"/>
           </a:p>

--- a/pizarra.pptx
+++ b/pizarra.pptx
@@ -14,6 +14,8 @@
     <p:sldId id="262" r:id="rId8"/>
     <p:sldId id="263" r:id="rId9"/>
     <p:sldId id="264" r:id="rId10"/>
+    <p:sldId id="265" r:id="rId11"/>
+    <p:sldId id="266" r:id="rId12"/>
   </p:sldIdLst>
   <p:sldSz cx="9144000" cy="6858000" type="screen4x3"/>
   <p:notesSz cx="6858000" cy="9144000"/>
@@ -297,7 +299,7 @@
             <a:fld id="{7A847CFC-816F-41D0-AAC0-9BF4FEBC753E}" type="datetimeFigureOut">
               <a:rPr lang="es-ES" smtClean="0"/>
               <a:pPr/>
-              <a:t>03/06/2025</a:t>
+              <a:t>04/06/2025</a:t>
             </a:fld>
             <a:endParaRPr lang="es-ES"/>
           </a:p>
@@ -464,7 +466,7 @@
             <a:fld id="{7A847CFC-816F-41D0-AAC0-9BF4FEBC753E}" type="datetimeFigureOut">
               <a:rPr lang="es-ES" smtClean="0"/>
               <a:pPr/>
-              <a:t>03/06/2025</a:t>
+              <a:t>04/06/2025</a:t>
             </a:fld>
             <a:endParaRPr lang="es-ES"/>
           </a:p>
@@ -641,7 +643,7 @@
             <a:fld id="{7A847CFC-816F-41D0-AAC0-9BF4FEBC753E}" type="datetimeFigureOut">
               <a:rPr lang="es-ES" smtClean="0"/>
               <a:pPr/>
-              <a:t>03/06/2025</a:t>
+              <a:t>04/06/2025</a:t>
             </a:fld>
             <a:endParaRPr lang="es-ES"/>
           </a:p>
@@ -808,7 +810,7 @@
             <a:fld id="{7A847CFC-816F-41D0-AAC0-9BF4FEBC753E}" type="datetimeFigureOut">
               <a:rPr lang="es-ES" smtClean="0"/>
               <a:pPr/>
-              <a:t>03/06/2025</a:t>
+              <a:t>04/06/2025</a:t>
             </a:fld>
             <a:endParaRPr lang="es-ES"/>
           </a:p>
@@ -1051,7 +1053,7 @@
             <a:fld id="{7A847CFC-816F-41D0-AAC0-9BF4FEBC753E}" type="datetimeFigureOut">
               <a:rPr lang="es-ES" smtClean="0"/>
               <a:pPr/>
-              <a:t>03/06/2025</a:t>
+              <a:t>04/06/2025</a:t>
             </a:fld>
             <a:endParaRPr lang="es-ES"/>
           </a:p>
@@ -1336,7 +1338,7 @@
             <a:fld id="{7A847CFC-816F-41D0-AAC0-9BF4FEBC753E}" type="datetimeFigureOut">
               <a:rPr lang="es-ES" smtClean="0"/>
               <a:pPr/>
-              <a:t>03/06/2025</a:t>
+              <a:t>04/06/2025</a:t>
             </a:fld>
             <a:endParaRPr lang="es-ES"/>
           </a:p>
@@ -1755,7 +1757,7 @@
             <a:fld id="{7A847CFC-816F-41D0-AAC0-9BF4FEBC753E}" type="datetimeFigureOut">
               <a:rPr lang="es-ES" smtClean="0"/>
               <a:pPr/>
-              <a:t>03/06/2025</a:t>
+              <a:t>04/06/2025</a:t>
             </a:fld>
             <a:endParaRPr lang="es-ES"/>
           </a:p>
@@ -1870,7 +1872,7 @@
             <a:fld id="{7A847CFC-816F-41D0-AAC0-9BF4FEBC753E}" type="datetimeFigureOut">
               <a:rPr lang="es-ES" smtClean="0"/>
               <a:pPr/>
-              <a:t>03/06/2025</a:t>
+              <a:t>04/06/2025</a:t>
             </a:fld>
             <a:endParaRPr lang="es-ES"/>
           </a:p>
@@ -1962,7 +1964,7 @@
             <a:fld id="{7A847CFC-816F-41D0-AAC0-9BF4FEBC753E}" type="datetimeFigureOut">
               <a:rPr lang="es-ES" smtClean="0"/>
               <a:pPr/>
-              <a:t>03/06/2025</a:t>
+              <a:t>04/06/2025</a:t>
             </a:fld>
             <a:endParaRPr lang="es-ES"/>
           </a:p>
@@ -2236,7 +2238,7 @@
             <a:fld id="{7A847CFC-816F-41D0-AAC0-9BF4FEBC753E}" type="datetimeFigureOut">
               <a:rPr lang="es-ES" smtClean="0"/>
               <a:pPr/>
-              <a:t>03/06/2025</a:t>
+              <a:t>04/06/2025</a:t>
             </a:fld>
             <a:endParaRPr lang="es-ES"/>
           </a:p>
@@ -2486,7 +2488,7 @@
             <a:fld id="{7A847CFC-816F-41D0-AAC0-9BF4FEBC753E}" type="datetimeFigureOut">
               <a:rPr lang="es-ES" smtClean="0"/>
               <a:pPr/>
-              <a:t>03/06/2025</a:t>
+              <a:t>04/06/2025</a:t>
             </a:fld>
             <a:endParaRPr lang="es-ES"/>
           </a:p>
@@ -2696,7 +2698,7 @@
             <a:fld id="{7A847CFC-816F-41D0-AAC0-9BF4FEBC753E}" type="datetimeFigureOut">
               <a:rPr lang="es-ES" smtClean="0"/>
               <a:pPr/>
-              <a:t>03/06/2025</a:t>
+              <a:t>04/06/2025</a:t>
             </a:fld>
             <a:endParaRPr lang="es-ES"/>
           </a:p>
@@ -3217,6 +3219,581 @@
           </a:p>
         </p:txBody>
       </p:sp>
+    </p:spTree>
+  </p:cSld>
+  <p:clrMapOvr>
+    <a:masterClrMapping/>
+  </p:clrMapOvr>
+</p:sld>
+</file>
+
+<file path=ppt/slides/slide10.xml><?xml version="1.0" encoding="utf-8"?>
+<p:sld xmlns:a="http://schemas.openxmlformats.org/drawingml/2006/main" xmlns:r="http://schemas.openxmlformats.org/officeDocument/2006/relationships" xmlns:p="http://schemas.openxmlformats.org/presentationml/2006/main">
+  <p:cSld>
+    <p:spTree>
+      <p:nvGrpSpPr>
+        <p:cNvPr id="1" name=""/>
+        <p:cNvGrpSpPr/>
+        <p:nvPr/>
+      </p:nvGrpSpPr>
+      <p:grpSpPr>
+        <a:xfrm>
+          <a:off x="0" y="0"/>
+          <a:ext cx="0" cy="0"/>
+          <a:chOff x="0" y="0"/>
+          <a:chExt cx="0" cy="0"/>
+        </a:xfrm>
+      </p:grpSpPr>
+      <p:sp>
+        <p:nvSpPr>
+          <p:cNvPr id="2" name="1 CuadroTexto"/>
+          <p:cNvSpPr txBox="1"/>
+          <p:nvPr/>
+        </p:nvSpPr>
+        <p:spPr>
+          <a:xfrm>
+            <a:off x="395536" y="620688"/>
+            <a:ext cx="4104456" cy="369332"/>
+          </a:xfrm>
+          <a:prstGeom prst="rect">
+            <a:avLst/>
+          </a:prstGeom>
+          <a:noFill/>
+        </p:spPr>
+        <p:txBody>
+          <a:bodyPr wrap="square" rtlCol="0">
+            <a:spAutoFit/>
+          </a:bodyPr>
+          <a:lstStyle/>
+          <a:p>
+            <a:r>
+              <a:rPr lang="es-ES" dirty="0" smtClean="0"/>
+              <a:t>-Alta de nuevos cursos</a:t>
+            </a:r>
+            <a:endParaRPr lang="es-ES" dirty="0"/>
+          </a:p>
+        </p:txBody>
+      </p:sp>
+      <p:sp>
+        <p:nvSpPr>
+          <p:cNvPr id="3" name="2 CuadroTexto"/>
+          <p:cNvSpPr txBox="1"/>
+          <p:nvPr/>
+        </p:nvSpPr>
+        <p:spPr>
+          <a:xfrm>
+            <a:off x="467544" y="1988840"/>
+            <a:ext cx="7632848" cy="1477328"/>
+          </a:xfrm>
+          <a:prstGeom prst="rect">
+            <a:avLst/>
+          </a:prstGeom>
+          <a:noFill/>
+        </p:spPr>
+        <p:txBody>
+          <a:bodyPr wrap="square" rtlCol="0">
+            <a:spAutoFit/>
+          </a:bodyPr>
+          <a:lstStyle/>
+          <a:p>
+            <a:r>
+              <a:rPr lang="es-ES" dirty="0" smtClean="0"/>
+              <a:t>Alta de nuevos alumnos:</a:t>
+            </a:r>
+          </a:p>
+          <a:p>
+            <a:r>
+              <a:rPr lang="es-ES" dirty="0" smtClean="0"/>
+              <a:t>	</a:t>
+            </a:r>
+            <a:r>
+              <a:rPr lang="es-ES" dirty="0" smtClean="0"/>
+              <a:t>-Usuario y contraseña requeridos</a:t>
+            </a:r>
+          </a:p>
+          <a:p>
+            <a:r>
+              <a:rPr lang="es-ES" dirty="0" smtClean="0"/>
+              <a:t>	</a:t>
+            </a:r>
+            <a:r>
+              <a:rPr lang="es-ES" dirty="0" smtClean="0"/>
+              <a:t>-Contraseña mínimo 6 caracteres</a:t>
+            </a:r>
+          </a:p>
+          <a:p>
+            <a:r>
+              <a:rPr lang="es-ES" dirty="0" smtClean="0"/>
+              <a:t>	</a:t>
+            </a:r>
+            <a:r>
+              <a:rPr lang="es-ES" dirty="0" smtClean="0"/>
+              <a:t>-Email válido</a:t>
+            </a:r>
+          </a:p>
+          <a:p>
+            <a:r>
+              <a:rPr lang="es-ES" dirty="0" smtClean="0"/>
+              <a:t>	</a:t>
+            </a:r>
+            <a:r>
+              <a:rPr lang="es-ES" dirty="0" smtClean="0"/>
+              <a:t>-Edad entre 18 y 99</a:t>
+            </a:r>
+            <a:endParaRPr lang="es-ES" dirty="0"/>
+          </a:p>
+        </p:txBody>
+      </p:sp>
+    </p:spTree>
+  </p:cSld>
+  <p:clrMapOvr>
+    <a:masterClrMapping/>
+  </p:clrMapOvr>
+</p:sld>
+</file>
+
+<file path=ppt/slides/slide11.xml><?xml version="1.0" encoding="utf-8"?>
+<p:sld xmlns:a="http://schemas.openxmlformats.org/drawingml/2006/main" xmlns:r="http://schemas.openxmlformats.org/officeDocument/2006/relationships" xmlns:p="http://schemas.openxmlformats.org/presentationml/2006/main">
+  <p:cSld>
+    <p:spTree>
+      <p:nvGrpSpPr>
+        <p:cNvPr id="1" name=""/>
+        <p:cNvGrpSpPr/>
+        <p:nvPr/>
+      </p:nvGrpSpPr>
+      <p:grpSpPr>
+        <a:xfrm>
+          <a:off x="0" y="0"/>
+          <a:ext cx="0" cy="0"/>
+          <a:chOff x="0" y="0"/>
+          <a:chExt cx="0" cy="0"/>
+        </a:xfrm>
+      </p:grpSpPr>
+      <p:sp>
+        <p:nvSpPr>
+          <p:cNvPr id="2" name="1 Rectángulo"/>
+          <p:cNvSpPr/>
+          <p:nvPr/>
+        </p:nvSpPr>
+        <p:spPr>
+          <a:xfrm>
+            <a:off x="1043608" y="1412776"/>
+            <a:ext cx="6840760" cy="3528392"/>
+          </a:xfrm>
+          <a:prstGeom prst="rect">
+            <a:avLst/>
+          </a:prstGeom>
+          <a:noFill/>
+        </p:spPr>
+        <p:style>
+          <a:lnRef idx="2">
+            <a:schemeClr val="accent1">
+              <a:shade val="50000"/>
+            </a:schemeClr>
+          </a:lnRef>
+          <a:fillRef idx="1">
+            <a:schemeClr val="accent1"/>
+          </a:fillRef>
+          <a:effectRef idx="0">
+            <a:schemeClr val="accent1"/>
+          </a:effectRef>
+          <a:fontRef idx="minor">
+            <a:schemeClr val="lt1"/>
+          </a:fontRef>
+        </p:style>
+        <p:txBody>
+          <a:bodyPr rtlCol="0" anchor="ctr"/>
+          <a:lstStyle/>
+          <a:p>
+            <a:pPr algn="ctr"/>
+            <a:endParaRPr lang="es-ES"/>
+          </a:p>
+        </p:txBody>
+      </p:sp>
+      <p:sp>
+        <p:nvSpPr>
+          <p:cNvPr id="3" name="2 Rectángulo"/>
+          <p:cNvSpPr/>
+          <p:nvPr/>
+        </p:nvSpPr>
+        <p:spPr>
+          <a:xfrm>
+            <a:off x="2771800" y="1844824"/>
+            <a:ext cx="1872208" cy="288032"/>
+          </a:xfrm>
+          <a:prstGeom prst="rect">
+            <a:avLst/>
+          </a:prstGeom>
+        </p:spPr>
+        <p:style>
+          <a:lnRef idx="2">
+            <a:schemeClr val="accent1">
+              <a:shade val="50000"/>
+            </a:schemeClr>
+          </a:lnRef>
+          <a:fillRef idx="1">
+            <a:schemeClr val="accent1"/>
+          </a:fillRef>
+          <a:effectRef idx="0">
+            <a:schemeClr val="accent1"/>
+          </a:effectRef>
+          <a:fontRef idx="minor">
+            <a:schemeClr val="lt1"/>
+          </a:fontRef>
+        </p:style>
+        <p:txBody>
+          <a:bodyPr rtlCol="0" anchor="ctr"/>
+          <a:lstStyle/>
+          <a:p>
+            <a:pPr algn="ctr"/>
+            <a:endParaRPr lang="es-ES"/>
+          </a:p>
+        </p:txBody>
+      </p:sp>
+      <p:cxnSp>
+        <p:nvCxnSpPr>
+          <p:cNvPr id="5" name="4 Conector recto de flecha"/>
+          <p:cNvCxnSpPr/>
+          <p:nvPr/>
+        </p:nvCxnSpPr>
+        <p:spPr>
+          <a:xfrm>
+            <a:off x="4788024" y="1844824"/>
+            <a:ext cx="0" cy="288032"/>
+          </a:xfrm>
+          <a:prstGeom prst="straightConnector1">
+            <a:avLst/>
+          </a:prstGeom>
+          <a:ln w="50800">
+            <a:tailEnd type="arrow"/>
+          </a:ln>
+        </p:spPr>
+        <p:style>
+          <a:lnRef idx="1">
+            <a:schemeClr val="accent1"/>
+          </a:lnRef>
+          <a:fillRef idx="0">
+            <a:schemeClr val="accent1"/>
+          </a:fillRef>
+          <a:effectRef idx="0">
+            <a:schemeClr val="accent1"/>
+          </a:effectRef>
+          <a:fontRef idx="minor">
+            <a:schemeClr val="tx1"/>
+          </a:fontRef>
+        </p:style>
+      </p:cxnSp>
+      <p:sp>
+        <p:nvSpPr>
+          <p:cNvPr id="6" name="5 CuadroTexto"/>
+          <p:cNvSpPr txBox="1"/>
+          <p:nvPr/>
+        </p:nvSpPr>
+        <p:spPr>
+          <a:xfrm>
+            <a:off x="2771800" y="1484784"/>
+            <a:ext cx="2376264" cy="369332"/>
+          </a:xfrm>
+          <a:prstGeom prst="rect">
+            <a:avLst/>
+          </a:prstGeom>
+          <a:noFill/>
+        </p:spPr>
+        <p:txBody>
+          <a:bodyPr wrap="square" rtlCol="0">
+            <a:spAutoFit/>
+          </a:bodyPr>
+          <a:lstStyle/>
+          <a:p>
+            <a:r>
+              <a:rPr lang="es-ES" dirty="0" smtClean="0"/>
+              <a:t>Seleccione curso:</a:t>
+            </a:r>
+            <a:endParaRPr lang="es-ES" dirty="0"/>
+          </a:p>
+        </p:txBody>
+      </p:sp>
+      <p:sp>
+        <p:nvSpPr>
+          <p:cNvPr id="7" name="6 Rectángulo"/>
+          <p:cNvSpPr/>
+          <p:nvPr/>
+        </p:nvSpPr>
+        <p:spPr>
+          <a:xfrm>
+            <a:off x="1691680" y="2780928"/>
+            <a:ext cx="4608512" cy="1656184"/>
+          </a:xfrm>
+          <a:prstGeom prst="rect">
+            <a:avLst/>
+          </a:prstGeom>
+          <a:noFill/>
+        </p:spPr>
+        <p:style>
+          <a:lnRef idx="2">
+            <a:schemeClr val="accent1">
+              <a:shade val="50000"/>
+            </a:schemeClr>
+          </a:lnRef>
+          <a:fillRef idx="1">
+            <a:schemeClr val="accent1"/>
+          </a:fillRef>
+          <a:effectRef idx="0">
+            <a:schemeClr val="accent1"/>
+          </a:effectRef>
+          <a:fontRef idx="minor">
+            <a:schemeClr val="lt1"/>
+          </a:fontRef>
+        </p:style>
+        <p:txBody>
+          <a:bodyPr rtlCol="0" anchor="ctr"/>
+          <a:lstStyle/>
+          <a:p>
+            <a:pPr algn="ctr"/>
+            <a:endParaRPr lang="es-ES"/>
+          </a:p>
+        </p:txBody>
+      </p:sp>
+      <p:sp>
+        <p:nvSpPr>
+          <p:cNvPr id="8" name="7 CuadroTexto"/>
+          <p:cNvSpPr txBox="1"/>
+          <p:nvPr/>
+        </p:nvSpPr>
+        <p:spPr>
+          <a:xfrm>
+            <a:off x="1763688" y="2852936"/>
+            <a:ext cx="1080120" cy="369332"/>
+          </a:xfrm>
+          <a:prstGeom prst="rect">
+            <a:avLst/>
+          </a:prstGeom>
+          <a:noFill/>
+        </p:spPr>
+        <p:txBody>
+          <a:bodyPr wrap="square" rtlCol="0">
+            <a:spAutoFit/>
+          </a:bodyPr>
+          <a:lstStyle/>
+          <a:p>
+            <a:r>
+              <a:rPr lang="es-ES" dirty="0" smtClean="0"/>
+              <a:t>Nombre</a:t>
+            </a:r>
+            <a:endParaRPr lang="es-ES" dirty="0"/>
+          </a:p>
+        </p:txBody>
+      </p:sp>
+      <p:sp>
+        <p:nvSpPr>
+          <p:cNvPr id="9" name="8 CuadroTexto"/>
+          <p:cNvSpPr txBox="1"/>
+          <p:nvPr/>
+        </p:nvSpPr>
+        <p:spPr>
+          <a:xfrm>
+            <a:off x="3059832" y="2852936"/>
+            <a:ext cx="936104" cy="369332"/>
+          </a:xfrm>
+          <a:prstGeom prst="rect">
+            <a:avLst/>
+          </a:prstGeom>
+          <a:noFill/>
+        </p:spPr>
+        <p:txBody>
+          <a:bodyPr wrap="square" rtlCol="0">
+            <a:spAutoFit/>
+          </a:bodyPr>
+          <a:lstStyle/>
+          <a:p>
+            <a:r>
+              <a:rPr lang="es-ES" dirty="0" smtClean="0"/>
+              <a:t>Email</a:t>
+            </a:r>
+            <a:endParaRPr lang="es-ES" dirty="0"/>
+          </a:p>
+        </p:txBody>
+      </p:sp>
+      <p:sp>
+        <p:nvSpPr>
+          <p:cNvPr id="10" name="9 CuadroTexto"/>
+          <p:cNvSpPr txBox="1"/>
+          <p:nvPr/>
+        </p:nvSpPr>
+        <p:spPr>
+          <a:xfrm>
+            <a:off x="4067944" y="2852936"/>
+            <a:ext cx="936104" cy="369332"/>
+          </a:xfrm>
+          <a:prstGeom prst="rect">
+            <a:avLst/>
+          </a:prstGeom>
+          <a:noFill/>
+        </p:spPr>
+        <p:txBody>
+          <a:bodyPr wrap="square" rtlCol="0">
+            <a:spAutoFit/>
+          </a:bodyPr>
+          <a:lstStyle/>
+          <a:p>
+            <a:r>
+              <a:rPr lang="es-ES" dirty="0" smtClean="0"/>
+              <a:t>Curso</a:t>
+            </a:r>
+            <a:endParaRPr lang="es-ES" dirty="0"/>
+          </a:p>
+        </p:txBody>
+      </p:sp>
+      <p:sp>
+        <p:nvSpPr>
+          <p:cNvPr id="11" name="10 CuadroTexto"/>
+          <p:cNvSpPr txBox="1"/>
+          <p:nvPr/>
+        </p:nvSpPr>
+        <p:spPr>
+          <a:xfrm>
+            <a:off x="5148064" y="2852936"/>
+            <a:ext cx="936104" cy="369332"/>
+          </a:xfrm>
+          <a:prstGeom prst="rect">
+            <a:avLst/>
+          </a:prstGeom>
+          <a:noFill/>
+        </p:spPr>
+        <p:txBody>
+          <a:bodyPr wrap="square" rtlCol="0">
+            <a:spAutoFit/>
+          </a:bodyPr>
+          <a:lstStyle/>
+          <a:p>
+            <a:r>
+              <a:rPr lang="es-ES" dirty="0" smtClean="0"/>
+              <a:t>Nota</a:t>
+            </a:r>
+            <a:endParaRPr lang="es-ES" dirty="0"/>
+          </a:p>
+        </p:txBody>
+      </p:sp>
+      <p:cxnSp>
+        <p:nvCxnSpPr>
+          <p:cNvPr id="13" name="12 Conector recto"/>
+          <p:cNvCxnSpPr/>
+          <p:nvPr/>
+        </p:nvCxnSpPr>
+        <p:spPr>
+          <a:xfrm>
+            <a:off x="1691680" y="3212976"/>
+            <a:ext cx="4608512" cy="0"/>
+          </a:xfrm>
+          <a:prstGeom prst="line">
+            <a:avLst/>
+          </a:prstGeom>
+        </p:spPr>
+        <p:style>
+          <a:lnRef idx="1">
+            <a:schemeClr val="accent1"/>
+          </a:lnRef>
+          <a:fillRef idx="0">
+            <a:schemeClr val="accent1"/>
+          </a:fillRef>
+          <a:effectRef idx="0">
+            <a:schemeClr val="accent1"/>
+          </a:effectRef>
+          <a:fontRef idx="minor">
+            <a:schemeClr val="tx1"/>
+          </a:fontRef>
+        </p:style>
+      </p:cxnSp>
+      <p:cxnSp>
+        <p:nvCxnSpPr>
+          <p:cNvPr id="15" name="14 Conector recto"/>
+          <p:cNvCxnSpPr/>
+          <p:nvPr/>
+        </p:nvCxnSpPr>
+        <p:spPr>
+          <a:xfrm>
+            <a:off x="2843808" y="2780928"/>
+            <a:ext cx="0" cy="1656184"/>
+          </a:xfrm>
+          <a:prstGeom prst="line">
+            <a:avLst/>
+          </a:prstGeom>
+        </p:spPr>
+        <p:style>
+          <a:lnRef idx="1">
+            <a:schemeClr val="accent1"/>
+          </a:lnRef>
+          <a:fillRef idx="0">
+            <a:schemeClr val="accent1"/>
+          </a:fillRef>
+          <a:effectRef idx="0">
+            <a:schemeClr val="accent1"/>
+          </a:effectRef>
+          <a:fontRef idx="minor">
+            <a:schemeClr val="tx1"/>
+          </a:fontRef>
+        </p:style>
+      </p:cxnSp>
+      <p:cxnSp>
+        <p:nvCxnSpPr>
+          <p:cNvPr id="16" name="15 Conector recto"/>
+          <p:cNvCxnSpPr/>
+          <p:nvPr/>
+        </p:nvCxnSpPr>
+        <p:spPr>
+          <a:xfrm>
+            <a:off x="3923928" y="2780928"/>
+            <a:ext cx="0" cy="1656184"/>
+          </a:xfrm>
+          <a:prstGeom prst="line">
+            <a:avLst/>
+          </a:prstGeom>
+        </p:spPr>
+        <p:style>
+          <a:lnRef idx="1">
+            <a:schemeClr val="accent1"/>
+          </a:lnRef>
+          <a:fillRef idx="0">
+            <a:schemeClr val="accent1"/>
+          </a:fillRef>
+          <a:effectRef idx="0">
+            <a:schemeClr val="accent1"/>
+          </a:effectRef>
+          <a:fontRef idx="minor">
+            <a:schemeClr val="tx1"/>
+          </a:fontRef>
+        </p:style>
+      </p:cxnSp>
+      <p:cxnSp>
+        <p:nvCxnSpPr>
+          <p:cNvPr id="17" name="16 Conector recto"/>
+          <p:cNvCxnSpPr/>
+          <p:nvPr/>
+        </p:nvCxnSpPr>
+        <p:spPr>
+          <a:xfrm>
+            <a:off x="5004048" y="2780928"/>
+            <a:ext cx="0" cy="1656184"/>
+          </a:xfrm>
+          <a:prstGeom prst="line">
+            <a:avLst/>
+          </a:prstGeom>
+        </p:spPr>
+        <p:style>
+          <a:lnRef idx="1">
+            <a:schemeClr val="accent1"/>
+          </a:lnRef>
+          <a:fillRef idx="0">
+            <a:schemeClr val="accent1"/>
+          </a:fillRef>
+          <a:effectRef idx="0">
+            <a:schemeClr val="accent1"/>
+          </a:effectRef>
+          <a:fontRef idx="minor">
+            <a:schemeClr val="tx1"/>
+          </a:fontRef>
+        </p:style>
+      </p:cxnSp>
     </p:spTree>
   </p:cSld>
   <p:clrMapOvr>

--- a/pizarra.pptx
+++ b/pizarra.pptx
@@ -16,6 +16,7 @@
     <p:sldId id="264" r:id="rId10"/>
     <p:sldId id="265" r:id="rId11"/>
     <p:sldId id="266" r:id="rId12"/>
+    <p:sldId id="267" r:id="rId13"/>
   </p:sldIdLst>
   <p:sldSz cx="9144000" cy="6858000" type="screen4x3"/>
   <p:notesSz cx="6858000" cy="9144000"/>
@@ -299,7 +300,7 @@
             <a:fld id="{7A847CFC-816F-41D0-AAC0-9BF4FEBC753E}" type="datetimeFigureOut">
               <a:rPr lang="es-ES" smtClean="0"/>
               <a:pPr/>
-              <a:t>04/06/2025</a:t>
+              <a:t>09/06/2025</a:t>
             </a:fld>
             <a:endParaRPr lang="es-ES"/>
           </a:p>
@@ -466,7 +467,7 @@
             <a:fld id="{7A847CFC-816F-41D0-AAC0-9BF4FEBC753E}" type="datetimeFigureOut">
               <a:rPr lang="es-ES" smtClean="0"/>
               <a:pPr/>
-              <a:t>04/06/2025</a:t>
+              <a:t>09/06/2025</a:t>
             </a:fld>
             <a:endParaRPr lang="es-ES"/>
           </a:p>
@@ -643,7 +644,7 @@
             <a:fld id="{7A847CFC-816F-41D0-AAC0-9BF4FEBC753E}" type="datetimeFigureOut">
               <a:rPr lang="es-ES" smtClean="0"/>
               <a:pPr/>
-              <a:t>04/06/2025</a:t>
+              <a:t>09/06/2025</a:t>
             </a:fld>
             <a:endParaRPr lang="es-ES"/>
           </a:p>
@@ -810,7 +811,7 @@
             <a:fld id="{7A847CFC-816F-41D0-AAC0-9BF4FEBC753E}" type="datetimeFigureOut">
               <a:rPr lang="es-ES" smtClean="0"/>
               <a:pPr/>
-              <a:t>04/06/2025</a:t>
+              <a:t>09/06/2025</a:t>
             </a:fld>
             <a:endParaRPr lang="es-ES"/>
           </a:p>
@@ -1053,7 +1054,7 @@
             <a:fld id="{7A847CFC-816F-41D0-AAC0-9BF4FEBC753E}" type="datetimeFigureOut">
               <a:rPr lang="es-ES" smtClean="0"/>
               <a:pPr/>
-              <a:t>04/06/2025</a:t>
+              <a:t>09/06/2025</a:t>
             </a:fld>
             <a:endParaRPr lang="es-ES"/>
           </a:p>
@@ -1338,7 +1339,7 @@
             <a:fld id="{7A847CFC-816F-41D0-AAC0-9BF4FEBC753E}" type="datetimeFigureOut">
               <a:rPr lang="es-ES" smtClean="0"/>
               <a:pPr/>
-              <a:t>04/06/2025</a:t>
+              <a:t>09/06/2025</a:t>
             </a:fld>
             <a:endParaRPr lang="es-ES"/>
           </a:p>
@@ -1757,7 +1758,7 @@
             <a:fld id="{7A847CFC-816F-41D0-AAC0-9BF4FEBC753E}" type="datetimeFigureOut">
               <a:rPr lang="es-ES" smtClean="0"/>
               <a:pPr/>
-              <a:t>04/06/2025</a:t>
+              <a:t>09/06/2025</a:t>
             </a:fld>
             <a:endParaRPr lang="es-ES"/>
           </a:p>
@@ -1872,7 +1873,7 @@
             <a:fld id="{7A847CFC-816F-41D0-AAC0-9BF4FEBC753E}" type="datetimeFigureOut">
               <a:rPr lang="es-ES" smtClean="0"/>
               <a:pPr/>
-              <a:t>04/06/2025</a:t>
+              <a:t>09/06/2025</a:t>
             </a:fld>
             <a:endParaRPr lang="es-ES"/>
           </a:p>
@@ -1964,7 +1965,7 @@
             <a:fld id="{7A847CFC-816F-41D0-AAC0-9BF4FEBC753E}" type="datetimeFigureOut">
               <a:rPr lang="es-ES" smtClean="0"/>
               <a:pPr/>
-              <a:t>04/06/2025</a:t>
+              <a:t>09/06/2025</a:t>
             </a:fld>
             <a:endParaRPr lang="es-ES"/>
           </a:p>
@@ -2238,7 +2239,7 @@
             <a:fld id="{7A847CFC-816F-41D0-AAC0-9BF4FEBC753E}" type="datetimeFigureOut">
               <a:rPr lang="es-ES" smtClean="0"/>
               <a:pPr/>
-              <a:t>04/06/2025</a:t>
+              <a:t>09/06/2025</a:t>
             </a:fld>
             <a:endParaRPr lang="es-ES"/>
           </a:p>
@@ -2488,7 +2489,7 @@
             <a:fld id="{7A847CFC-816F-41D0-AAC0-9BF4FEBC753E}" type="datetimeFigureOut">
               <a:rPr lang="es-ES" smtClean="0"/>
               <a:pPr/>
-              <a:t>04/06/2025</a:t>
+              <a:t>09/06/2025</a:t>
             </a:fld>
             <a:endParaRPr lang="es-ES"/>
           </a:p>
@@ -2698,7 +2699,7 @@
             <a:fld id="{7A847CFC-816F-41D0-AAC0-9BF4FEBC753E}" type="datetimeFigureOut">
               <a:rPr lang="es-ES" smtClean="0"/>
               <a:pPr/>
-              <a:t>04/06/2025</a:t>
+              <a:t>09/06/2025</a:t>
             </a:fld>
             <a:endParaRPr lang="es-ES"/>
           </a:p>
@@ -3304,41 +3305,25 @@
           <a:p>
             <a:r>
               <a:rPr lang="es-ES" dirty="0" smtClean="0"/>
-              <a:t>	</a:t>
-            </a:r>
+              <a:t>	-Usuario y contraseña requeridos</a:t>
+            </a:r>
+          </a:p>
+          <a:p>
             <a:r>
               <a:rPr lang="es-ES" dirty="0" smtClean="0"/>
-              <a:t>-Usuario y contraseña requeridos</a:t>
+              <a:t>	-Contraseña mínimo 6 caracteres</a:t>
             </a:r>
           </a:p>
           <a:p>
             <a:r>
               <a:rPr lang="es-ES" dirty="0" smtClean="0"/>
-              <a:t>	</a:t>
-            </a:r>
+              <a:t>	-Email válido</a:t>
+            </a:r>
+          </a:p>
+          <a:p>
             <a:r>
               <a:rPr lang="es-ES" dirty="0" smtClean="0"/>
-              <a:t>-Contraseña mínimo 6 caracteres</a:t>
-            </a:r>
-          </a:p>
-          <a:p>
-            <a:r>
-              <a:rPr lang="es-ES" dirty="0" smtClean="0"/>
-              <a:t>	</a:t>
-            </a:r>
-            <a:r>
-              <a:rPr lang="es-ES" dirty="0" smtClean="0"/>
-              <a:t>-Email válido</a:t>
-            </a:r>
-          </a:p>
-          <a:p>
-            <a:r>
-              <a:rPr lang="es-ES" dirty="0" smtClean="0"/>
-              <a:t>	</a:t>
-            </a:r>
-            <a:r>
-              <a:rPr lang="es-ES" dirty="0" smtClean="0"/>
-              <a:t>-Edad entre 18 y 99</a:t>
+              <a:t>	-Edad entre 18 y 99</a:t>
             </a:r>
             <a:endParaRPr lang="es-ES" dirty="0"/>
           </a:p>
@@ -3794,6 +3779,322 @@
           </a:fontRef>
         </p:style>
       </p:cxnSp>
+    </p:spTree>
+  </p:cSld>
+  <p:clrMapOvr>
+    <a:masterClrMapping/>
+  </p:clrMapOvr>
+</p:sld>
+</file>
+
+<file path=ppt/slides/slide12.xml><?xml version="1.0" encoding="utf-8"?>
+<p:sld xmlns:a="http://schemas.openxmlformats.org/drawingml/2006/main" xmlns:r="http://schemas.openxmlformats.org/officeDocument/2006/relationships" xmlns:p="http://schemas.openxmlformats.org/presentationml/2006/main">
+  <p:cSld>
+    <p:spTree>
+      <p:nvGrpSpPr>
+        <p:cNvPr id="1" name=""/>
+        <p:cNvGrpSpPr/>
+        <p:nvPr/>
+      </p:nvGrpSpPr>
+      <p:grpSpPr>
+        <a:xfrm>
+          <a:off x="0" y="0"/>
+          <a:ext cx="0" cy="0"/>
+          <a:chOff x="0" y="0"/>
+          <a:chExt cx="0" cy="0"/>
+        </a:xfrm>
+      </p:grpSpPr>
+      <p:sp>
+        <p:nvSpPr>
+          <p:cNvPr id="2" name="1 CuadroTexto"/>
+          <p:cNvSpPr txBox="1"/>
+          <p:nvPr/>
+        </p:nvSpPr>
+        <p:spPr>
+          <a:xfrm>
+            <a:off x="323528" y="0"/>
+            <a:ext cx="8208912" cy="461665"/>
+          </a:xfrm>
+          <a:prstGeom prst="rect">
+            <a:avLst/>
+          </a:prstGeom>
+          <a:noFill/>
+        </p:spPr>
+        <p:txBody>
+          <a:bodyPr wrap="square" rtlCol="0">
+            <a:spAutoFit/>
+          </a:bodyPr>
+          <a:lstStyle/>
+          <a:p>
+            <a:r>
+              <a:rPr lang="es-ES" sz="2400" b="1" dirty="0" smtClean="0"/>
+              <a:t>Pasos creación proyecto </a:t>
+            </a:r>
+            <a:r>
+              <a:rPr lang="es-ES" sz="2400" b="1" dirty="0" err="1" smtClean="0"/>
+              <a:t>backend</a:t>
+            </a:r>
+            <a:r>
+              <a:rPr lang="es-ES" sz="2400" b="1" dirty="0" smtClean="0"/>
+              <a:t> con </a:t>
+            </a:r>
+            <a:r>
+              <a:rPr lang="es-ES" sz="2400" b="1" dirty="0" err="1" smtClean="0"/>
+              <a:t>NestJS</a:t>
+            </a:r>
+            <a:r>
+              <a:rPr lang="es-ES" sz="2400" b="1" dirty="0" smtClean="0"/>
+              <a:t> (servicios REST)</a:t>
+            </a:r>
+            <a:endParaRPr lang="es-ES" sz="2400" b="1" dirty="0"/>
+          </a:p>
+        </p:txBody>
+      </p:sp>
+      <p:sp>
+        <p:nvSpPr>
+          <p:cNvPr id="3" name="2 CuadroTexto"/>
+          <p:cNvSpPr txBox="1"/>
+          <p:nvPr/>
+        </p:nvSpPr>
+        <p:spPr>
+          <a:xfrm>
+            <a:off x="323528" y="476672"/>
+            <a:ext cx="7776864" cy="6186309"/>
+          </a:xfrm>
+          <a:prstGeom prst="rect">
+            <a:avLst/>
+          </a:prstGeom>
+          <a:noFill/>
+        </p:spPr>
+        <p:txBody>
+          <a:bodyPr wrap="square" rtlCol="0">
+            <a:spAutoFit/>
+          </a:bodyPr>
+          <a:lstStyle/>
+          <a:p>
+            <a:pPr>
+              <a:buFontTx/>
+              <a:buChar char="-"/>
+            </a:pPr>
+            <a:r>
+              <a:rPr lang="es-ES" dirty="0" smtClean="0"/>
+              <a:t>C</a:t>
+            </a:r>
+            <a:r>
+              <a:rPr lang="es-ES" dirty="0" smtClean="0"/>
+              <a:t>reación proyecto:</a:t>
+            </a:r>
+          </a:p>
+          <a:p>
+            <a:pPr lvl="1"/>
+            <a:r>
+              <a:rPr lang="es-ES" dirty="0" smtClean="0"/>
+              <a:t>&gt;</a:t>
+            </a:r>
+            <a:r>
+              <a:rPr lang="es-ES" dirty="0" err="1" smtClean="0"/>
+              <a:t>nest</a:t>
+            </a:r>
+            <a:r>
+              <a:rPr lang="es-ES" dirty="0" smtClean="0"/>
+              <a:t> new </a:t>
+            </a:r>
+            <a:r>
+              <a:rPr lang="es-ES" dirty="0" err="1" smtClean="0"/>
+              <a:t>nombre_proyecto</a:t>
+            </a:r>
+            <a:endParaRPr lang="es-ES" dirty="0" smtClean="0"/>
+          </a:p>
+          <a:p>
+            <a:pPr lvl="1"/>
+            <a:r>
+              <a:rPr lang="es-ES" dirty="0" smtClean="0"/>
+              <a:t>Eliminar .</a:t>
+            </a:r>
+            <a:r>
+              <a:rPr lang="es-ES" dirty="0" err="1" smtClean="0"/>
+              <a:t>git</a:t>
+            </a:r>
+            <a:endParaRPr lang="es-ES" dirty="0" smtClean="0"/>
+          </a:p>
+          <a:p>
+            <a:pPr lvl="1"/>
+            <a:r>
+              <a:rPr lang="es-ES" dirty="0" smtClean="0"/>
+              <a:t>Eliminar entradas </a:t>
+            </a:r>
+            <a:r>
+              <a:rPr lang="es-ES" dirty="0" err="1" smtClean="0"/>
+              <a:t>eslint</a:t>
+            </a:r>
+            <a:endParaRPr lang="es-ES" dirty="0" smtClean="0"/>
+          </a:p>
+          <a:p>
+            <a:pPr lvl="1"/>
+            <a:r>
+              <a:rPr lang="es-ES" dirty="0" smtClean="0"/>
+              <a:t>Desactivar chequeo de nulos</a:t>
+            </a:r>
+          </a:p>
+          <a:p>
+            <a:r>
+              <a:rPr lang="es-ES" dirty="0" smtClean="0"/>
+              <a:t>-Si vamos a utilizar acceso a bases de datos, instalar </a:t>
+            </a:r>
+            <a:r>
+              <a:rPr lang="es-ES" dirty="0" err="1" smtClean="0"/>
+              <a:t>typeORM</a:t>
+            </a:r>
+            <a:endParaRPr lang="es-ES" dirty="0" smtClean="0"/>
+          </a:p>
+          <a:p>
+            <a:r>
+              <a:rPr lang="es-ES" dirty="0" smtClean="0"/>
+              <a:t>-Creación de entidades y sus relaciones</a:t>
+            </a:r>
+          </a:p>
+          <a:p>
+            <a:r>
+              <a:rPr lang="es-ES" dirty="0" smtClean="0"/>
+              <a:t>-Creación de </a:t>
+            </a:r>
+            <a:r>
+              <a:rPr lang="es-ES" dirty="0" err="1" smtClean="0"/>
+              <a:t>DTOs</a:t>
+            </a:r>
+            <a:r>
+              <a:rPr lang="es-ES" dirty="0" smtClean="0"/>
+              <a:t>, tanto para entrada de datos como para salida de datos. Añadir validadores en los </a:t>
+            </a:r>
+            <a:r>
+              <a:rPr lang="es-ES" dirty="0" err="1" smtClean="0"/>
+              <a:t>DTOs</a:t>
+            </a:r>
+            <a:r>
+              <a:rPr lang="es-ES" dirty="0" smtClean="0"/>
+              <a:t> de entrada de datos</a:t>
+            </a:r>
+          </a:p>
+          <a:p>
+            <a:r>
+              <a:rPr lang="es-ES" dirty="0" smtClean="0"/>
+              <a:t>-Implementación del </a:t>
+            </a:r>
+            <a:r>
+              <a:rPr lang="es-ES" dirty="0" err="1" smtClean="0"/>
+              <a:t>service</a:t>
+            </a:r>
+            <a:r>
+              <a:rPr lang="es-ES" dirty="0" smtClean="0"/>
+              <a:t>. Dentro de los métodos del </a:t>
+            </a:r>
+            <a:r>
+              <a:rPr lang="es-ES" dirty="0" err="1" smtClean="0"/>
+              <a:t>service</a:t>
+            </a:r>
+            <a:r>
+              <a:rPr lang="es-ES" dirty="0" smtClean="0"/>
+              <a:t>, se realizan comprobaciones de integridad de los datos (evitar campos repetidos, etc.). Informando en los tipos de devolución o mediante la generación de errores de aquellas situaciones anómalas que se puedan producir.</a:t>
+            </a:r>
+          </a:p>
+          <a:p>
+            <a:r>
+              <a:rPr lang="es-ES" dirty="0" smtClean="0"/>
+              <a:t>-Implementación del </a:t>
+            </a:r>
+            <a:r>
+              <a:rPr lang="es-ES" dirty="0" err="1" smtClean="0"/>
+              <a:t>controller</a:t>
+            </a:r>
+            <a:r>
+              <a:rPr lang="es-ES" dirty="0" smtClean="0"/>
+              <a:t>. Aquí pensamos en los métodos que hay que exponer al exterior, hacia el </a:t>
+            </a:r>
+            <a:r>
+              <a:rPr lang="es-ES" dirty="0" err="1" smtClean="0"/>
+              <a:t>front</a:t>
+            </a:r>
+            <a:r>
+              <a:rPr lang="es-ES" dirty="0" smtClean="0"/>
+              <a:t>. Se informa mediante códigos de estado sobre situaciones anómalas que se puedan producir.</a:t>
+            </a:r>
+          </a:p>
+          <a:p>
+            <a:r>
+              <a:rPr lang="es-ES" dirty="0" smtClean="0"/>
+              <a:t>-Utilización de variables de entorno para datos sensibles</a:t>
+            </a:r>
+          </a:p>
+          <a:p>
+            <a:r>
+              <a:rPr lang="es-ES" dirty="0" smtClean="0"/>
+              <a:t>-Incorporar </a:t>
+            </a:r>
+            <a:r>
+              <a:rPr lang="es-ES" dirty="0" err="1" smtClean="0"/>
+              <a:t>swagger</a:t>
+            </a:r>
+            <a:r>
+              <a:rPr lang="es-ES" dirty="0" smtClean="0"/>
+              <a:t> para documentar el servicio</a:t>
+            </a:r>
+            <a:endParaRPr lang="es-ES" dirty="0" smtClean="0"/>
+          </a:p>
+          <a:p>
+            <a:r>
+              <a:rPr lang="es-ES" dirty="0" smtClean="0"/>
+              <a:t>-</a:t>
+            </a:r>
+            <a:r>
+              <a:rPr lang="es-ES" dirty="0" err="1" smtClean="0"/>
+              <a:t>AppModule</a:t>
+            </a:r>
+            <a:r>
+              <a:rPr lang="es-ES" dirty="0" smtClean="0"/>
+              <a:t>:</a:t>
+            </a:r>
+          </a:p>
+          <a:p>
+            <a:r>
+              <a:rPr lang="es-ES" dirty="0" smtClean="0"/>
+              <a:t>	</a:t>
+            </a:r>
+            <a:r>
+              <a:rPr lang="es-ES" dirty="0" smtClean="0"/>
+              <a:t>.Registro de </a:t>
+            </a:r>
+            <a:r>
+              <a:rPr lang="es-ES" dirty="0" err="1" smtClean="0"/>
+              <a:t>service</a:t>
+            </a:r>
+            <a:r>
+              <a:rPr lang="es-ES" dirty="0" smtClean="0"/>
+              <a:t> y </a:t>
+            </a:r>
+            <a:r>
+              <a:rPr lang="es-ES" dirty="0" err="1" smtClean="0"/>
+              <a:t>controller</a:t>
+            </a:r>
+            <a:endParaRPr lang="es-ES" dirty="0" smtClean="0"/>
+          </a:p>
+          <a:p>
+            <a:r>
+              <a:rPr lang="es-ES" dirty="0" smtClean="0"/>
+              <a:t>	.Información de conexión a base de datos y entidades</a:t>
+            </a:r>
+          </a:p>
+          <a:p>
+            <a:r>
+              <a:rPr lang="es-ES" dirty="0" smtClean="0"/>
+              <a:t>	</a:t>
+            </a:r>
+            <a:r>
+              <a:rPr lang="es-ES" dirty="0" smtClean="0"/>
+              <a:t>.Acceso a variables de entorno para datos de conexión a base de datos</a:t>
+            </a:r>
+          </a:p>
+        </p:txBody>
+      </p:sp>
     </p:spTree>
   </p:cSld>
   <p:clrMapOvr>

--- a/pizarra.pptx
+++ b/pizarra.pptx
@@ -302,7 +302,7 @@
             <a:fld id="{7A847CFC-816F-41D0-AAC0-9BF4FEBC753E}" type="datetimeFigureOut">
               <a:rPr lang="es-ES" smtClean="0"/>
               <a:pPr/>
-              <a:t>10/06/2025</a:t>
+              <a:t>11/06/2025</a:t>
             </a:fld>
             <a:endParaRPr lang="es-ES"/>
           </a:p>
@@ -469,7 +469,7 @@
             <a:fld id="{7A847CFC-816F-41D0-AAC0-9BF4FEBC753E}" type="datetimeFigureOut">
               <a:rPr lang="es-ES" smtClean="0"/>
               <a:pPr/>
-              <a:t>10/06/2025</a:t>
+              <a:t>11/06/2025</a:t>
             </a:fld>
             <a:endParaRPr lang="es-ES"/>
           </a:p>
@@ -646,7 +646,7 @@
             <a:fld id="{7A847CFC-816F-41D0-AAC0-9BF4FEBC753E}" type="datetimeFigureOut">
               <a:rPr lang="es-ES" smtClean="0"/>
               <a:pPr/>
-              <a:t>10/06/2025</a:t>
+              <a:t>11/06/2025</a:t>
             </a:fld>
             <a:endParaRPr lang="es-ES"/>
           </a:p>
@@ -813,7 +813,7 @@
             <a:fld id="{7A847CFC-816F-41D0-AAC0-9BF4FEBC753E}" type="datetimeFigureOut">
               <a:rPr lang="es-ES" smtClean="0"/>
               <a:pPr/>
-              <a:t>10/06/2025</a:t>
+              <a:t>11/06/2025</a:t>
             </a:fld>
             <a:endParaRPr lang="es-ES"/>
           </a:p>
@@ -1056,7 +1056,7 @@
             <a:fld id="{7A847CFC-816F-41D0-AAC0-9BF4FEBC753E}" type="datetimeFigureOut">
               <a:rPr lang="es-ES" smtClean="0"/>
               <a:pPr/>
-              <a:t>10/06/2025</a:t>
+              <a:t>11/06/2025</a:t>
             </a:fld>
             <a:endParaRPr lang="es-ES"/>
           </a:p>
@@ -1341,7 +1341,7 @@
             <a:fld id="{7A847CFC-816F-41D0-AAC0-9BF4FEBC753E}" type="datetimeFigureOut">
               <a:rPr lang="es-ES" smtClean="0"/>
               <a:pPr/>
-              <a:t>10/06/2025</a:t>
+              <a:t>11/06/2025</a:t>
             </a:fld>
             <a:endParaRPr lang="es-ES"/>
           </a:p>
@@ -1760,7 +1760,7 @@
             <a:fld id="{7A847CFC-816F-41D0-AAC0-9BF4FEBC753E}" type="datetimeFigureOut">
               <a:rPr lang="es-ES" smtClean="0"/>
               <a:pPr/>
-              <a:t>10/06/2025</a:t>
+              <a:t>11/06/2025</a:t>
             </a:fld>
             <a:endParaRPr lang="es-ES"/>
           </a:p>
@@ -1875,7 +1875,7 @@
             <a:fld id="{7A847CFC-816F-41D0-AAC0-9BF4FEBC753E}" type="datetimeFigureOut">
               <a:rPr lang="es-ES" smtClean="0"/>
               <a:pPr/>
-              <a:t>10/06/2025</a:t>
+              <a:t>11/06/2025</a:t>
             </a:fld>
             <a:endParaRPr lang="es-ES"/>
           </a:p>
@@ -1967,7 +1967,7 @@
             <a:fld id="{7A847CFC-816F-41D0-AAC0-9BF4FEBC753E}" type="datetimeFigureOut">
               <a:rPr lang="es-ES" smtClean="0"/>
               <a:pPr/>
-              <a:t>10/06/2025</a:t>
+              <a:t>11/06/2025</a:t>
             </a:fld>
             <a:endParaRPr lang="es-ES"/>
           </a:p>
@@ -2241,7 +2241,7 @@
             <a:fld id="{7A847CFC-816F-41D0-AAC0-9BF4FEBC753E}" type="datetimeFigureOut">
               <a:rPr lang="es-ES" smtClean="0"/>
               <a:pPr/>
-              <a:t>10/06/2025</a:t>
+              <a:t>11/06/2025</a:t>
             </a:fld>
             <a:endParaRPr lang="es-ES"/>
           </a:p>
@@ -2491,7 +2491,7 @@
             <a:fld id="{7A847CFC-816F-41D0-AAC0-9BF4FEBC753E}" type="datetimeFigureOut">
               <a:rPr lang="es-ES" smtClean="0"/>
               <a:pPr/>
-              <a:t>10/06/2025</a:t>
+              <a:t>11/06/2025</a:t>
             </a:fld>
             <a:endParaRPr lang="es-ES"/>
           </a:p>
@@ -2701,7 +2701,7 @@
             <a:fld id="{7A847CFC-816F-41D0-AAC0-9BF4FEBC753E}" type="datetimeFigureOut">
               <a:rPr lang="es-ES" smtClean="0"/>
               <a:pPr/>
-              <a:t>10/06/2025</a:t>
+              <a:t>11/06/2025</a:t>
             </a:fld>
             <a:endParaRPr lang="es-ES"/>
           </a:p>

--- a/pizarra.pptx
+++ b/pizarra.pptx
@@ -19,6 +19,7 @@
     <p:sldId id="267" r:id="rId13"/>
     <p:sldId id="268" r:id="rId14"/>
     <p:sldId id="269" r:id="rId15"/>
+    <p:sldId id="270" r:id="rId16"/>
   </p:sldIdLst>
   <p:sldSz cx="9144000" cy="6858000" type="screen4x3"/>
   <p:notesSz cx="6858000" cy="9144000"/>
@@ -4704,6 +4705,452 @@
               <a:t>La disponibilidad depende del stock: entre 0 y 3 baja, de 4 a 10 media, más de 10 alta. </a:t>
             </a:r>
             <a:endParaRPr lang="es-ES" dirty="0"/>
+          </a:p>
+        </p:txBody>
+      </p:sp>
+    </p:spTree>
+  </p:cSld>
+  <p:clrMapOvr>
+    <a:masterClrMapping/>
+  </p:clrMapOvr>
+</p:sld>
+</file>
+
+<file path=ppt/slides/slide15.xml><?xml version="1.0" encoding="utf-8"?>
+<p:sld xmlns:a="http://schemas.openxmlformats.org/drawingml/2006/main" xmlns:r="http://schemas.openxmlformats.org/officeDocument/2006/relationships" xmlns:p="http://schemas.openxmlformats.org/presentationml/2006/main">
+  <p:cSld>
+    <p:spTree>
+      <p:nvGrpSpPr>
+        <p:cNvPr id="1" name=""/>
+        <p:cNvGrpSpPr/>
+        <p:nvPr/>
+      </p:nvGrpSpPr>
+      <p:grpSpPr>
+        <a:xfrm>
+          <a:off x="0" y="0"/>
+          <a:ext cx="0" cy="0"/>
+          <a:chOff x="0" y="0"/>
+          <a:chExt cx="0" cy="0"/>
+        </a:xfrm>
+      </p:grpSpPr>
+      <p:sp>
+        <p:nvSpPr>
+          <p:cNvPr id="2" name="1 Elipse"/>
+          <p:cNvSpPr/>
+          <p:nvPr/>
+        </p:nvSpPr>
+        <p:spPr>
+          <a:xfrm>
+            <a:off x="5796136" y="1844824"/>
+            <a:ext cx="1800200" cy="1440160"/>
+          </a:xfrm>
+          <a:prstGeom prst="ellipse">
+            <a:avLst/>
+          </a:prstGeom>
+        </p:spPr>
+        <p:style>
+          <a:lnRef idx="2">
+            <a:schemeClr val="accent1">
+              <a:shade val="50000"/>
+            </a:schemeClr>
+          </a:lnRef>
+          <a:fillRef idx="1">
+            <a:schemeClr val="accent1"/>
+          </a:fillRef>
+          <a:effectRef idx="0">
+            <a:schemeClr val="accent1"/>
+          </a:effectRef>
+          <a:fontRef idx="minor">
+            <a:schemeClr val="lt1"/>
+          </a:fontRef>
+        </p:style>
+        <p:txBody>
+          <a:bodyPr rtlCol="0" anchor="ctr"/>
+          <a:lstStyle/>
+          <a:p>
+            <a:pPr algn="ctr"/>
+            <a:endParaRPr lang="es-ES"/>
+          </a:p>
+        </p:txBody>
+      </p:sp>
+      <p:sp>
+        <p:nvSpPr>
+          <p:cNvPr id="3" name="2 CuadroTexto"/>
+          <p:cNvSpPr txBox="1"/>
+          <p:nvPr/>
+        </p:nvSpPr>
+        <p:spPr>
+          <a:xfrm>
+            <a:off x="6156176" y="2060848"/>
+            <a:ext cx="1224136" cy="923330"/>
+          </a:xfrm>
+          <a:prstGeom prst="rect">
+            <a:avLst/>
+          </a:prstGeom>
+          <a:noFill/>
+        </p:spPr>
+        <p:txBody>
+          <a:bodyPr wrap="square" rtlCol="0">
+            <a:spAutoFit/>
+          </a:bodyPr>
+          <a:lstStyle/>
+          <a:p>
+            <a:r>
+              <a:rPr lang="es-ES" dirty="0" smtClean="0"/>
+              <a:t>servicio REST </a:t>
+            </a:r>
+            <a:r>
+              <a:rPr lang="es-ES" dirty="0" err="1" smtClean="0"/>
+              <a:t>securizado</a:t>
+            </a:r>
+            <a:endParaRPr lang="es-ES" dirty="0"/>
+          </a:p>
+        </p:txBody>
+      </p:sp>
+      <p:sp>
+        <p:nvSpPr>
+          <p:cNvPr id="4" name="3 Disco magnético"/>
+          <p:cNvSpPr/>
+          <p:nvPr/>
+        </p:nvSpPr>
+        <p:spPr>
+          <a:xfrm>
+            <a:off x="7884368" y="2276872"/>
+            <a:ext cx="1008112" cy="1008112"/>
+          </a:xfrm>
+          <a:prstGeom prst="flowChartMagneticDisk">
+            <a:avLst/>
+          </a:prstGeom>
+        </p:spPr>
+        <p:style>
+          <a:lnRef idx="2">
+            <a:schemeClr val="accent1">
+              <a:shade val="50000"/>
+            </a:schemeClr>
+          </a:lnRef>
+          <a:fillRef idx="1">
+            <a:schemeClr val="accent1"/>
+          </a:fillRef>
+          <a:effectRef idx="0">
+            <a:schemeClr val="accent1"/>
+          </a:effectRef>
+          <a:fontRef idx="minor">
+            <a:schemeClr val="lt1"/>
+          </a:fontRef>
+        </p:style>
+        <p:txBody>
+          <a:bodyPr rtlCol="0" anchor="ctr"/>
+          <a:lstStyle/>
+          <a:p>
+            <a:pPr algn="ctr"/>
+            <a:endParaRPr lang="es-ES"/>
+          </a:p>
+        </p:txBody>
+      </p:sp>
+      <p:sp>
+        <p:nvSpPr>
+          <p:cNvPr id="5" name="4 CuadroTexto"/>
+          <p:cNvSpPr txBox="1"/>
+          <p:nvPr/>
+        </p:nvSpPr>
+        <p:spPr>
+          <a:xfrm>
+            <a:off x="7884368" y="2566645"/>
+            <a:ext cx="1008112" cy="646331"/>
+          </a:xfrm>
+          <a:prstGeom prst="rect">
+            <a:avLst/>
+          </a:prstGeom>
+          <a:noFill/>
+        </p:spPr>
+        <p:txBody>
+          <a:bodyPr wrap="square" rtlCol="0">
+            <a:spAutoFit/>
+          </a:bodyPr>
+          <a:lstStyle/>
+          <a:p>
+            <a:pPr algn="ctr"/>
+            <a:r>
+              <a:rPr lang="es-ES" dirty="0" smtClean="0"/>
+              <a:t>BD usuarios</a:t>
+            </a:r>
+            <a:endParaRPr lang="es-ES" dirty="0"/>
+          </a:p>
+        </p:txBody>
+      </p:sp>
+      <p:cxnSp>
+        <p:nvCxnSpPr>
+          <p:cNvPr id="7" name="6 Conector recto de flecha"/>
+          <p:cNvCxnSpPr/>
+          <p:nvPr/>
+        </p:nvCxnSpPr>
+        <p:spPr>
+          <a:xfrm>
+            <a:off x="1475656" y="2420888"/>
+            <a:ext cx="3024336" cy="0"/>
+          </a:xfrm>
+          <a:prstGeom prst="straightConnector1">
+            <a:avLst/>
+          </a:prstGeom>
+          <a:ln>
+            <a:tailEnd type="arrow"/>
+          </a:ln>
+        </p:spPr>
+        <p:style>
+          <a:lnRef idx="1">
+            <a:schemeClr val="accent1"/>
+          </a:lnRef>
+          <a:fillRef idx="0">
+            <a:schemeClr val="accent1"/>
+          </a:fillRef>
+          <a:effectRef idx="0">
+            <a:schemeClr val="accent1"/>
+          </a:effectRef>
+          <a:fontRef idx="minor">
+            <a:schemeClr val="tx1"/>
+          </a:fontRef>
+        </p:style>
+      </p:cxnSp>
+      <p:sp>
+        <p:nvSpPr>
+          <p:cNvPr id="8" name="7 CuadroTexto"/>
+          <p:cNvSpPr txBox="1"/>
+          <p:nvPr/>
+        </p:nvSpPr>
+        <p:spPr>
+          <a:xfrm>
+            <a:off x="827584" y="2060848"/>
+            <a:ext cx="4824536" cy="307777"/>
+          </a:xfrm>
+          <a:prstGeom prst="rect">
+            <a:avLst/>
+          </a:prstGeom>
+          <a:noFill/>
+        </p:spPr>
+        <p:txBody>
+          <a:bodyPr wrap="square" rtlCol="0">
+            <a:spAutoFit/>
+          </a:bodyPr>
+          <a:lstStyle/>
+          <a:p>
+            <a:r>
+              <a:rPr lang="es-ES" sz="1400" dirty="0" smtClean="0"/>
+              <a:t>1. El cliente se autentica a través de usuario y contraseña</a:t>
+            </a:r>
+            <a:endParaRPr lang="es-ES" sz="1400" dirty="0"/>
+          </a:p>
+        </p:txBody>
+      </p:sp>
+      <p:cxnSp>
+        <p:nvCxnSpPr>
+          <p:cNvPr id="10" name="9 Conector recto de flecha"/>
+          <p:cNvCxnSpPr/>
+          <p:nvPr/>
+        </p:nvCxnSpPr>
+        <p:spPr>
+          <a:xfrm flipH="1">
+            <a:off x="1043608" y="2996952"/>
+            <a:ext cx="4392488" cy="0"/>
+          </a:xfrm>
+          <a:prstGeom prst="straightConnector1">
+            <a:avLst/>
+          </a:prstGeom>
+          <a:ln>
+            <a:tailEnd type="arrow"/>
+          </a:ln>
+        </p:spPr>
+        <p:style>
+          <a:lnRef idx="1">
+            <a:schemeClr val="accent1"/>
+          </a:lnRef>
+          <a:fillRef idx="0">
+            <a:schemeClr val="accent1"/>
+          </a:fillRef>
+          <a:effectRef idx="0">
+            <a:schemeClr val="accent1"/>
+          </a:effectRef>
+          <a:fontRef idx="minor">
+            <a:schemeClr val="tx1"/>
+          </a:fontRef>
+        </p:style>
+      </p:cxnSp>
+      <p:sp>
+        <p:nvSpPr>
+          <p:cNvPr id="11" name="10 CuadroTexto"/>
+          <p:cNvSpPr txBox="1"/>
+          <p:nvPr/>
+        </p:nvSpPr>
+        <p:spPr>
+          <a:xfrm>
+            <a:off x="971600" y="2636912"/>
+            <a:ext cx="4824536" cy="307777"/>
+          </a:xfrm>
+          <a:prstGeom prst="rect">
+            <a:avLst/>
+          </a:prstGeom>
+          <a:noFill/>
+        </p:spPr>
+        <p:txBody>
+          <a:bodyPr wrap="square" rtlCol="0">
+            <a:spAutoFit/>
+          </a:bodyPr>
+          <a:lstStyle/>
+          <a:p>
+            <a:r>
+              <a:rPr lang="es-ES" sz="1400" dirty="0" smtClean="0"/>
+              <a:t>2. Si existe usuario, se genera </a:t>
+            </a:r>
+            <a:r>
+              <a:rPr lang="es-ES" sz="1400" dirty="0" err="1" smtClean="0"/>
+              <a:t>token</a:t>
+            </a:r>
+            <a:r>
+              <a:rPr lang="es-ES" sz="1400" dirty="0" smtClean="0"/>
+              <a:t> y se envía al cliente</a:t>
+            </a:r>
+            <a:endParaRPr lang="es-ES" sz="1400" dirty="0"/>
+          </a:p>
+        </p:txBody>
+      </p:sp>
+      <p:cxnSp>
+        <p:nvCxnSpPr>
+          <p:cNvPr id="13" name="12 Conector recto de flecha"/>
+          <p:cNvCxnSpPr/>
+          <p:nvPr/>
+        </p:nvCxnSpPr>
+        <p:spPr>
+          <a:xfrm>
+            <a:off x="1043608" y="3717032"/>
+            <a:ext cx="4248472" cy="0"/>
+          </a:xfrm>
+          <a:prstGeom prst="straightConnector1">
+            <a:avLst/>
+          </a:prstGeom>
+          <a:ln>
+            <a:tailEnd type="arrow"/>
+          </a:ln>
+        </p:spPr>
+        <p:style>
+          <a:lnRef idx="1">
+            <a:schemeClr val="accent1"/>
+          </a:lnRef>
+          <a:fillRef idx="0">
+            <a:schemeClr val="accent1"/>
+          </a:fillRef>
+          <a:effectRef idx="0">
+            <a:schemeClr val="accent1"/>
+          </a:effectRef>
+          <a:fontRef idx="minor">
+            <a:schemeClr val="tx1"/>
+          </a:fontRef>
+        </p:style>
+      </p:cxnSp>
+      <p:sp>
+        <p:nvSpPr>
+          <p:cNvPr id="14" name="13 CuadroTexto"/>
+          <p:cNvSpPr txBox="1"/>
+          <p:nvPr/>
+        </p:nvSpPr>
+        <p:spPr>
+          <a:xfrm>
+            <a:off x="899592" y="3356992"/>
+            <a:ext cx="4824536" cy="307777"/>
+          </a:xfrm>
+          <a:prstGeom prst="rect">
+            <a:avLst/>
+          </a:prstGeom>
+          <a:noFill/>
+        </p:spPr>
+        <p:txBody>
+          <a:bodyPr wrap="square" rtlCol="0">
+            <a:spAutoFit/>
+          </a:bodyPr>
+          <a:lstStyle/>
+          <a:p>
+            <a:r>
+              <a:rPr lang="es-ES" sz="1400" dirty="0" smtClean="0"/>
+              <a:t>3. Llamadas a recursos, enviando </a:t>
+            </a:r>
+            <a:r>
+              <a:rPr lang="es-ES" sz="1400" dirty="0" err="1" smtClean="0"/>
+              <a:t>token</a:t>
+            </a:r>
+            <a:r>
+              <a:rPr lang="es-ES" sz="1400" dirty="0" smtClean="0"/>
+              <a:t> en la cabecera</a:t>
+            </a:r>
+            <a:endParaRPr lang="es-ES" sz="1400" dirty="0"/>
+          </a:p>
+        </p:txBody>
+      </p:sp>
+      <p:cxnSp>
+        <p:nvCxnSpPr>
+          <p:cNvPr id="16" name="15 Conector recto de flecha"/>
+          <p:cNvCxnSpPr/>
+          <p:nvPr/>
+        </p:nvCxnSpPr>
+        <p:spPr>
+          <a:xfrm flipH="1">
+            <a:off x="899592" y="4509120"/>
+            <a:ext cx="4392488" cy="0"/>
+          </a:xfrm>
+          <a:prstGeom prst="straightConnector1">
+            <a:avLst/>
+          </a:prstGeom>
+          <a:ln>
+            <a:tailEnd type="arrow"/>
+          </a:ln>
+        </p:spPr>
+        <p:style>
+          <a:lnRef idx="1">
+            <a:schemeClr val="accent1"/>
+          </a:lnRef>
+          <a:fillRef idx="0">
+            <a:schemeClr val="accent1"/>
+          </a:fillRef>
+          <a:effectRef idx="0">
+            <a:schemeClr val="accent1"/>
+          </a:effectRef>
+          <a:fontRef idx="minor">
+            <a:schemeClr val="tx1"/>
+          </a:fontRef>
+        </p:style>
+      </p:cxnSp>
+      <p:sp>
+        <p:nvSpPr>
+          <p:cNvPr id="17" name="16 CuadroTexto"/>
+          <p:cNvSpPr txBox="1"/>
+          <p:nvPr/>
+        </p:nvSpPr>
+        <p:spPr>
+          <a:xfrm>
+            <a:off x="899592" y="4149080"/>
+            <a:ext cx="6408712" cy="307777"/>
+          </a:xfrm>
+          <a:prstGeom prst="rect">
+            <a:avLst/>
+          </a:prstGeom>
+          <a:noFill/>
+        </p:spPr>
+        <p:txBody>
+          <a:bodyPr wrap="square" rtlCol="0">
+            <a:spAutoFit/>
+          </a:bodyPr>
+          <a:lstStyle/>
+          <a:p>
+            <a:r>
+              <a:rPr lang="es-ES" sz="1400" dirty="0" smtClean="0"/>
+              <a:t>4. Servicio lee </a:t>
+            </a:r>
+            <a:r>
+              <a:rPr lang="es-ES" sz="1400" dirty="0" err="1" smtClean="0"/>
+              <a:t>token</a:t>
+            </a:r>
+            <a:r>
+              <a:rPr lang="es-ES" sz="1400" dirty="0" smtClean="0"/>
+              <a:t>, identifica usuario y lo autoriza a acceder al recurso</a:t>
+            </a:r>
+            <a:endParaRPr lang="es-ES" sz="1400" dirty="0"/>
           </a:p>
         </p:txBody>
       </p:sp>

--- a/pizarra.pptx
+++ b/pizarra.pptx
@@ -303,7 +303,7 @@
             <a:fld id="{7A847CFC-816F-41D0-AAC0-9BF4FEBC753E}" type="datetimeFigureOut">
               <a:rPr lang="es-ES" smtClean="0"/>
               <a:pPr/>
-              <a:t>11/06/2025</a:t>
+              <a:t>12/06/2025</a:t>
             </a:fld>
             <a:endParaRPr lang="es-ES"/>
           </a:p>
@@ -470,7 +470,7 @@
             <a:fld id="{7A847CFC-816F-41D0-AAC0-9BF4FEBC753E}" type="datetimeFigureOut">
               <a:rPr lang="es-ES" smtClean="0"/>
               <a:pPr/>
-              <a:t>11/06/2025</a:t>
+              <a:t>12/06/2025</a:t>
             </a:fld>
             <a:endParaRPr lang="es-ES"/>
           </a:p>
@@ -647,7 +647,7 @@
             <a:fld id="{7A847CFC-816F-41D0-AAC0-9BF4FEBC753E}" type="datetimeFigureOut">
               <a:rPr lang="es-ES" smtClean="0"/>
               <a:pPr/>
-              <a:t>11/06/2025</a:t>
+              <a:t>12/06/2025</a:t>
             </a:fld>
             <a:endParaRPr lang="es-ES"/>
           </a:p>
@@ -814,7 +814,7 @@
             <a:fld id="{7A847CFC-816F-41D0-AAC0-9BF4FEBC753E}" type="datetimeFigureOut">
               <a:rPr lang="es-ES" smtClean="0"/>
               <a:pPr/>
-              <a:t>11/06/2025</a:t>
+              <a:t>12/06/2025</a:t>
             </a:fld>
             <a:endParaRPr lang="es-ES"/>
           </a:p>
@@ -1057,7 +1057,7 @@
             <a:fld id="{7A847CFC-816F-41D0-AAC0-9BF4FEBC753E}" type="datetimeFigureOut">
               <a:rPr lang="es-ES" smtClean="0"/>
               <a:pPr/>
-              <a:t>11/06/2025</a:t>
+              <a:t>12/06/2025</a:t>
             </a:fld>
             <a:endParaRPr lang="es-ES"/>
           </a:p>
@@ -1342,7 +1342,7 @@
             <a:fld id="{7A847CFC-816F-41D0-AAC0-9BF4FEBC753E}" type="datetimeFigureOut">
               <a:rPr lang="es-ES" smtClean="0"/>
               <a:pPr/>
-              <a:t>11/06/2025</a:t>
+              <a:t>12/06/2025</a:t>
             </a:fld>
             <a:endParaRPr lang="es-ES"/>
           </a:p>
@@ -1761,7 +1761,7 @@
             <a:fld id="{7A847CFC-816F-41D0-AAC0-9BF4FEBC753E}" type="datetimeFigureOut">
               <a:rPr lang="es-ES" smtClean="0"/>
               <a:pPr/>
-              <a:t>11/06/2025</a:t>
+              <a:t>12/06/2025</a:t>
             </a:fld>
             <a:endParaRPr lang="es-ES"/>
           </a:p>
@@ -1876,7 +1876,7 @@
             <a:fld id="{7A847CFC-816F-41D0-AAC0-9BF4FEBC753E}" type="datetimeFigureOut">
               <a:rPr lang="es-ES" smtClean="0"/>
               <a:pPr/>
-              <a:t>11/06/2025</a:t>
+              <a:t>12/06/2025</a:t>
             </a:fld>
             <a:endParaRPr lang="es-ES"/>
           </a:p>
@@ -1968,7 +1968,7 @@
             <a:fld id="{7A847CFC-816F-41D0-AAC0-9BF4FEBC753E}" type="datetimeFigureOut">
               <a:rPr lang="es-ES" smtClean="0"/>
               <a:pPr/>
-              <a:t>11/06/2025</a:t>
+              <a:t>12/06/2025</a:t>
             </a:fld>
             <a:endParaRPr lang="es-ES"/>
           </a:p>
@@ -2242,7 +2242,7 @@
             <a:fld id="{7A847CFC-816F-41D0-AAC0-9BF4FEBC753E}" type="datetimeFigureOut">
               <a:rPr lang="es-ES" smtClean="0"/>
               <a:pPr/>
-              <a:t>11/06/2025</a:t>
+              <a:t>12/06/2025</a:t>
             </a:fld>
             <a:endParaRPr lang="es-ES"/>
           </a:p>
@@ -2492,7 +2492,7 @@
             <a:fld id="{7A847CFC-816F-41D0-AAC0-9BF4FEBC753E}" type="datetimeFigureOut">
               <a:rPr lang="es-ES" smtClean="0"/>
               <a:pPr/>
-              <a:t>11/06/2025</a:t>
+              <a:t>12/06/2025</a:t>
             </a:fld>
             <a:endParaRPr lang="es-ES"/>
           </a:p>
@@ -2702,7 +2702,7 @@
             <a:fld id="{7A847CFC-816F-41D0-AAC0-9BF4FEBC753E}" type="datetimeFigureOut">
               <a:rPr lang="es-ES" smtClean="0"/>
               <a:pPr/>
-              <a:t>11/06/2025</a:t>
+              <a:t>12/06/2025</a:t>
             </a:fld>
             <a:endParaRPr lang="es-ES"/>
           </a:p>
@@ -5154,6 +5154,224 @@
           </a:p>
         </p:txBody>
       </p:sp>
+      <p:sp>
+        <p:nvSpPr>
+          <p:cNvPr id="15" name="14 Elipse"/>
+          <p:cNvSpPr/>
+          <p:nvPr/>
+        </p:nvSpPr>
+        <p:spPr>
+          <a:xfrm>
+            <a:off x="3347864" y="188640"/>
+            <a:ext cx="1872208" cy="792088"/>
+          </a:xfrm>
+          <a:prstGeom prst="ellipse">
+            <a:avLst/>
+          </a:prstGeom>
+        </p:spPr>
+        <p:style>
+          <a:lnRef idx="2">
+            <a:schemeClr val="accent1">
+              <a:shade val="50000"/>
+            </a:schemeClr>
+          </a:lnRef>
+          <a:fillRef idx="1">
+            <a:schemeClr val="accent1"/>
+          </a:fillRef>
+          <a:effectRef idx="0">
+            <a:schemeClr val="accent1"/>
+          </a:effectRef>
+          <a:fontRef idx="minor">
+            <a:schemeClr val="lt1"/>
+          </a:fontRef>
+        </p:style>
+        <p:txBody>
+          <a:bodyPr rtlCol="0" anchor="ctr"/>
+          <a:lstStyle/>
+          <a:p>
+            <a:pPr algn="ctr"/>
+            <a:endParaRPr lang="es-ES"/>
+          </a:p>
+        </p:txBody>
+      </p:sp>
+      <p:sp>
+        <p:nvSpPr>
+          <p:cNvPr id="18" name="17 CuadroTexto"/>
+          <p:cNvSpPr txBox="1"/>
+          <p:nvPr/>
+        </p:nvSpPr>
+        <p:spPr>
+          <a:xfrm>
+            <a:off x="3563888" y="260648"/>
+            <a:ext cx="1584176" cy="646331"/>
+          </a:xfrm>
+          <a:prstGeom prst="rect">
+            <a:avLst/>
+          </a:prstGeom>
+          <a:noFill/>
+        </p:spPr>
+        <p:txBody>
+          <a:bodyPr wrap="square" rtlCol="0">
+            <a:spAutoFit/>
+          </a:bodyPr>
+          <a:lstStyle/>
+          <a:p>
+            <a:r>
+              <a:rPr lang="es-ES" dirty="0" smtClean="0"/>
+              <a:t>servicio REST </a:t>
+            </a:r>
+            <a:r>
+              <a:rPr lang="es-ES" dirty="0" smtClean="0"/>
+              <a:t>cliente</a:t>
+            </a:r>
+            <a:endParaRPr lang="es-ES" dirty="0"/>
+          </a:p>
+        </p:txBody>
+      </p:sp>
+      <p:sp>
+        <p:nvSpPr>
+          <p:cNvPr id="19" name="18 Rectángulo"/>
+          <p:cNvSpPr/>
+          <p:nvPr/>
+        </p:nvSpPr>
+        <p:spPr>
+          <a:xfrm>
+            <a:off x="2555776" y="1340768"/>
+            <a:ext cx="2592288" cy="576064"/>
+          </a:xfrm>
+          <a:prstGeom prst="rect">
+            <a:avLst/>
+          </a:prstGeom>
+        </p:spPr>
+        <p:style>
+          <a:lnRef idx="2">
+            <a:schemeClr val="accent1">
+              <a:shade val="50000"/>
+            </a:schemeClr>
+          </a:lnRef>
+          <a:fillRef idx="1">
+            <a:schemeClr val="accent1"/>
+          </a:fillRef>
+          <a:effectRef idx="0">
+            <a:schemeClr val="accent1"/>
+          </a:effectRef>
+          <a:fontRef idx="minor">
+            <a:schemeClr val="lt1"/>
+          </a:fontRef>
+        </p:style>
+        <p:txBody>
+          <a:bodyPr rtlCol="0" anchor="ctr"/>
+          <a:lstStyle/>
+          <a:p>
+            <a:pPr algn="ctr"/>
+            <a:endParaRPr lang="es-ES"/>
+          </a:p>
+        </p:txBody>
+      </p:sp>
+      <p:sp>
+        <p:nvSpPr>
+          <p:cNvPr id="20" name="19 CuadroTexto"/>
+          <p:cNvSpPr txBox="1"/>
+          <p:nvPr/>
+        </p:nvSpPr>
+        <p:spPr>
+          <a:xfrm>
+            <a:off x="2843808" y="1412776"/>
+            <a:ext cx="2160240" cy="369332"/>
+          </a:xfrm>
+          <a:prstGeom prst="rect">
+            <a:avLst/>
+          </a:prstGeom>
+          <a:noFill/>
+        </p:spPr>
+        <p:txBody>
+          <a:bodyPr wrap="square" rtlCol="0">
+            <a:spAutoFit/>
+          </a:bodyPr>
+          <a:lstStyle/>
+          <a:p>
+            <a:r>
+              <a:rPr lang="es-ES" dirty="0" smtClean="0"/>
+              <a:t>cliente </a:t>
+            </a:r>
+            <a:r>
+              <a:rPr lang="es-ES" dirty="0" err="1" smtClean="0"/>
+              <a:t>front</a:t>
+            </a:r>
+            <a:endParaRPr lang="es-ES" dirty="0"/>
+          </a:p>
+        </p:txBody>
+      </p:sp>
+      <p:cxnSp>
+        <p:nvCxnSpPr>
+          <p:cNvPr id="22" name="21 Conector recto de flecha"/>
+          <p:cNvCxnSpPr>
+            <a:endCxn id="2" idx="0"/>
+          </p:cNvCxnSpPr>
+          <p:nvPr/>
+        </p:nvCxnSpPr>
+        <p:spPr>
+          <a:xfrm>
+            <a:off x="5220072" y="764704"/>
+            <a:ext cx="1476164" cy="1080120"/>
+          </a:xfrm>
+          <a:prstGeom prst="straightConnector1">
+            <a:avLst/>
+          </a:prstGeom>
+          <a:ln>
+            <a:tailEnd type="arrow"/>
+          </a:ln>
+        </p:spPr>
+        <p:style>
+          <a:lnRef idx="1">
+            <a:schemeClr val="accent1"/>
+          </a:lnRef>
+          <a:fillRef idx="0">
+            <a:schemeClr val="accent1"/>
+          </a:fillRef>
+          <a:effectRef idx="0">
+            <a:schemeClr val="accent1"/>
+          </a:effectRef>
+          <a:fontRef idx="minor">
+            <a:schemeClr val="tx1"/>
+          </a:fontRef>
+        </p:style>
+      </p:cxnSp>
+      <p:cxnSp>
+        <p:nvCxnSpPr>
+          <p:cNvPr id="24" name="23 Conector recto de flecha"/>
+          <p:cNvCxnSpPr>
+            <a:stCxn id="19" idx="3"/>
+          </p:cNvCxnSpPr>
+          <p:nvPr/>
+        </p:nvCxnSpPr>
+        <p:spPr>
+          <a:xfrm>
+            <a:off x="5148064" y="1628800"/>
+            <a:ext cx="792088" cy="504056"/>
+          </a:xfrm>
+          <a:prstGeom prst="straightConnector1">
+            <a:avLst/>
+          </a:prstGeom>
+          <a:ln>
+            <a:tailEnd type="arrow"/>
+          </a:ln>
+        </p:spPr>
+        <p:style>
+          <a:lnRef idx="1">
+            <a:schemeClr val="accent1"/>
+          </a:lnRef>
+          <a:fillRef idx="0">
+            <a:schemeClr val="accent1"/>
+          </a:fillRef>
+          <a:effectRef idx="0">
+            <a:schemeClr val="accent1"/>
+          </a:effectRef>
+          <a:fontRef idx="minor">
+            <a:schemeClr val="tx1"/>
+          </a:fontRef>
+        </p:style>
+      </p:cxnSp>
     </p:spTree>
   </p:cSld>
   <p:clrMapOvr>

--- a/pizarra.pptx
+++ b/pizarra.pptx
@@ -20,6 +20,7 @@
     <p:sldId id="268" r:id="rId14"/>
     <p:sldId id="269" r:id="rId15"/>
     <p:sldId id="270" r:id="rId16"/>
+    <p:sldId id="271" r:id="rId17"/>
   </p:sldIdLst>
   <p:sldSz cx="9144000" cy="6858000" type="screen4x3"/>
   <p:notesSz cx="6858000" cy="9144000"/>
@@ -303,7 +304,7 @@
             <a:fld id="{7A847CFC-816F-41D0-AAC0-9BF4FEBC753E}" type="datetimeFigureOut">
               <a:rPr lang="es-ES" smtClean="0"/>
               <a:pPr/>
-              <a:t>12/06/2025</a:t>
+              <a:t>16/06/2025</a:t>
             </a:fld>
             <a:endParaRPr lang="es-ES"/>
           </a:p>
@@ -470,7 +471,7 @@
             <a:fld id="{7A847CFC-816F-41D0-AAC0-9BF4FEBC753E}" type="datetimeFigureOut">
               <a:rPr lang="es-ES" smtClean="0"/>
               <a:pPr/>
-              <a:t>12/06/2025</a:t>
+              <a:t>16/06/2025</a:t>
             </a:fld>
             <a:endParaRPr lang="es-ES"/>
           </a:p>
@@ -647,7 +648,7 @@
             <a:fld id="{7A847CFC-816F-41D0-AAC0-9BF4FEBC753E}" type="datetimeFigureOut">
               <a:rPr lang="es-ES" smtClean="0"/>
               <a:pPr/>
-              <a:t>12/06/2025</a:t>
+              <a:t>16/06/2025</a:t>
             </a:fld>
             <a:endParaRPr lang="es-ES"/>
           </a:p>
@@ -814,7 +815,7 @@
             <a:fld id="{7A847CFC-816F-41D0-AAC0-9BF4FEBC753E}" type="datetimeFigureOut">
               <a:rPr lang="es-ES" smtClean="0"/>
               <a:pPr/>
-              <a:t>12/06/2025</a:t>
+              <a:t>16/06/2025</a:t>
             </a:fld>
             <a:endParaRPr lang="es-ES"/>
           </a:p>
@@ -1057,7 +1058,7 @@
             <a:fld id="{7A847CFC-816F-41D0-AAC0-9BF4FEBC753E}" type="datetimeFigureOut">
               <a:rPr lang="es-ES" smtClean="0"/>
               <a:pPr/>
-              <a:t>12/06/2025</a:t>
+              <a:t>16/06/2025</a:t>
             </a:fld>
             <a:endParaRPr lang="es-ES"/>
           </a:p>
@@ -1342,7 +1343,7 @@
             <a:fld id="{7A847CFC-816F-41D0-AAC0-9BF4FEBC753E}" type="datetimeFigureOut">
               <a:rPr lang="es-ES" smtClean="0"/>
               <a:pPr/>
-              <a:t>12/06/2025</a:t>
+              <a:t>16/06/2025</a:t>
             </a:fld>
             <a:endParaRPr lang="es-ES"/>
           </a:p>
@@ -1761,7 +1762,7 @@
             <a:fld id="{7A847CFC-816F-41D0-AAC0-9BF4FEBC753E}" type="datetimeFigureOut">
               <a:rPr lang="es-ES" smtClean="0"/>
               <a:pPr/>
-              <a:t>12/06/2025</a:t>
+              <a:t>16/06/2025</a:t>
             </a:fld>
             <a:endParaRPr lang="es-ES"/>
           </a:p>
@@ -1876,7 +1877,7 @@
             <a:fld id="{7A847CFC-816F-41D0-AAC0-9BF4FEBC753E}" type="datetimeFigureOut">
               <a:rPr lang="es-ES" smtClean="0"/>
               <a:pPr/>
-              <a:t>12/06/2025</a:t>
+              <a:t>16/06/2025</a:t>
             </a:fld>
             <a:endParaRPr lang="es-ES"/>
           </a:p>
@@ -1968,7 +1969,7 @@
             <a:fld id="{7A847CFC-816F-41D0-AAC0-9BF4FEBC753E}" type="datetimeFigureOut">
               <a:rPr lang="es-ES" smtClean="0"/>
               <a:pPr/>
-              <a:t>12/06/2025</a:t>
+              <a:t>16/06/2025</a:t>
             </a:fld>
             <a:endParaRPr lang="es-ES"/>
           </a:p>
@@ -2242,7 +2243,7 @@
             <a:fld id="{7A847CFC-816F-41D0-AAC0-9BF4FEBC753E}" type="datetimeFigureOut">
               <a:rPr lang="es-ES" smtClean="0"/>
               <a:pPr/>
-              <a:t>12/06/2025</a:t>
+              <a:t>16/06/2025</a:t>
             </a:fld>
             <a:endParaRPr lang="es-ES"/>
           </a:p>
@@ -2492,7 +2493,7 @@
             <a:fld id="{7A847CFC-816F-41D0-AAC0-9BF4FEBC753E}" type="datetimeFigureOut">
               <a:rPr lang="es-ES" smtClean="0"/>
               <a:pPr/>
-              <a:t>12/06/2025</a:t>
+              <a:t>16/06/2025</a:t>
             </a:fld>
             <a:endParaRPr lang="es-ES"/>
           </a:p>
@@ -2702,7 +2703,7 @@
             <a:fld id="{7A847CFC-816F-41D0-AAC0-9BF4FEBC753E}" type="datetimeFigureOut">
               <a:rPr lang="es-ES" smtClean="0"/>
               <a:pPr/>
-              <a:t>12/06/2025</a:t>
+              <a:t>16/06/2025</a:t>
             </a:fld>
             <a:endParaRPr lang="es-ES"/>
           </a:p>
@@ -5218,11 +5219,7 @@
           <a:p>
             <a:r>
               <a:rPr lang="es-ES" dirty="0" smtClean="0"/>
-              <a:t>servicio REST </a:t>
-            </a:r>
-            <a:r>
-              <a:rPr lang="es-ES" dirty="0" smtClean="0"/>
-              <a:t>cliente</a:t>
+              <a:t>servicio REST cliente</a:t>
             </a:r>
             <a:endParaRPr lang="es-ES" dirty="0"/>
           </a:p>
@@ -5372,6 +5369,415 @@
           </a:fontRef>
         </p:style>
       </p:cxnSp>
+      <p:sp>
+        <p:nvSpPr>
+          <p:cNvPr id="21" name="20 CuadroTexto"/>
+          <p:cNvSpPr txBox="1"/>
+          <p:nvPr/>
+        </p:nvSpPr>
+        <p:spPr>
+          <a:xfrm>
+            <a:off x="6804248" y="1340768"/>
+            <a:ext cx="1512168" cy="369332"/>
+          </a:xfrm>
+          <a:prstGeom prst="rect">
+            <a:avLst/>
+          </a:prstGeom>
+          <a:noFill/>
+        </p:spPr>
+        <p:txBody>
+          <a:bodyPr wrap="square" rtlCol="0">
+            <a:spAutoFit/>
+          </a:bodyPr>
+          <a:lstStyle/>
+          <a:p>
+            <a:r>
+              <a:rPr lang="es-ES" dirty="0" smtClean="0"/>
+              <a:t>3000</a:t>
+            </a:r>
+            <a:endParaRPr lang="es-ES" dirty="0"/>
+          </a:p>
+        </p:txBody>
+      </p:sp>
+      <p:sp>
+        <p:nvSpPr>
+          <p:cNvPr id="23" name="22 CuadroTexto"/>
+          <p:cNvSpPr txBox="1"/>
+          <p:nvPr/>
+        </p:nvSpPr>
+        <p:spPr>
+          <a:xfrm>
+            <a:off x="5292080" y="188640"/>
+            <a:ext cx="1512168" cy="369332"/>
+          </a:xfrm>
+          <a:prstGeom prst="rect">
+            <a:avLst/>
+          </a:prstGeom>
+          <a:noFill/>
+        </p:spPr>
+        <p:txBody>
+          <a:bodyPr wrap="square" rtlCol="0">
+            <a:spAutoFit/>
+          </a:bodyPr>
+          <a:lstStyle/>
+          <a:p>
+            <a:r>
+              <a:rPr lang="es-ES" dirty="0" smtClean="0"/>
+              <a:t>4000</a:t>
+            </a:r>
+            <a:endParaRPr lang="es-ES" dirty="0"/>
+          </a:p>
+        </p:txBody>
+      </p:sp>
+    </p:spTree>
+  </p:cSld>
+  <p:clrMapOvr>
+    <a:masterClrMapping/>
+  </p:clrMapOvr>
+</p:sld>
+</file>
+
+<file path=ppt/slides/slide16.xml><?xml version="1.0" encoding="utf-8"?>
+<p:sld xmlns:a="http://schemas.openxmlformats.org/drawingml/2006/main" xmlns:r="http://schemas.openxmlformats.org/officeDocument/2006/relationships" xmlns:p="http://schemas.openxmlformats.org/presentationml/2006/main">
+  <p:cSld>
+    <p:spTree>
+      <p:nvGrpSpPr>
+        <p:cNvPr id="1" name=""/>
+        <p:cNvGrpSpPr/>
+        <p:nvPr/>
+      </p:nvGrpSpPr>
+      <p:grpSpPr>
+        <a:xfrm>
+          <a:off x="0" y="0"/>
+          <a:ext cx="0" cy="0"/>
+          <a:chOff x="0" y="0"/>
+          <a:chExt cx="0" cy="0"/>
+        </a:xfrm>
+      </p:grpSpPr>
+      <p:sp>
+        <p:nvSpPr>
+          <p:cNvPr id="2" name="1 CuadroTexto"/>
+          <p:cNvSpPr txBox="1"/>
+          <p:nvPr/>
+        </p:nvSpPr>
+        <p:spPr>
+          <a:xfrm>
+            <a:off x="2915816" y="2924944"/>
+            <a:ext cx="5040560" cy="1477328"/>
+          </a:xfrm>
+          <a:prstGeom prst="rect">
+            <a:avLst/>
+          </a:prstGeom>
+          <a:solidFill>
+            <a:schemeClr val="bg1">
+              <a:lumMod val="95000"/>
+            </a:schemeClr>
+          </a:solidFill>
+        </p:spPr>
+        <p:txBody>
+          <a:bodyPr wrap="square" rtlCol="0">
+            <a:spAutoFit/>
+          </a:bodyPr>
+          <a:lstStyle/>
+          <a:p>
+            <a:r>
+              <a:rPr lang="es-ES" dirty="0" smtClean="0"/>
+              <a:t>axios.get(</a:t>
+            </a:r>
+            <a:r>
+              <a:rPr lang="es-ES" dirty="0" err="1" smtClean="0"/>
+              <a:t>url</a:t>
+            </a:r>
+            <a:r>
+              <a:rPr lang="es-ES" dirty="0" smtClean="0"/>
+              <a:t>,{</a:t>
+            </a:r>
+          </a:p>
+          <a:p>
+            <a:r>
+              <a:rPr lang="es-ES" dirty="0" smtClean="0"/>
+              <a:t>	</a:t>
+            </a:r>
+            <a:r>
+              <a:rPr lang="es-ES" dirty="0" err="1" smtClean="0"/>
+              <a:t>headers</a:t>
+            </a:r>
+            <a:r>
+              <a:rPr lang="es-ES" dirty="0" smtClean="0"/>
+              <a:t>:{</a:t>
+            </a:r>
+          </a:p>
+          <a:p>
+            <a:r>
+              <a:rPr lang="es-ES" dirty="0" smtClean="0"/>
+              <a:t>		</a:t>
+            </a:r>
+            <a:r>
+              <a:rPr lang="es-ES" dirty="0" err="1" smtClean="0"/>
+              <a:t>Authorization</a:t>
+            </a:r>
+            <a:r>
+              <a:rPr lang="es-ES" dirty="0" smtClean="0"/>
+              <a:t>: "</a:t>
+            </a:r>
+            <a:r>
+              <a:rPr lang="es-ES" dirty="0" err="1" smtClean="0"/>
+              <a:t>Bearer</a:t>
+            </a:r>
+            <a:r>
+              <a:rPr lang="es-ES" dirty="0" smtClean="0"/>
+              <a:t> </a:t>
+            </a:r>
+            <a:r>
+              <a:rPr lang="es-ES" dirty="0" err="1" smtClean="0"/>
+              <a:t>token</a:t>
+            </a:r>
+            <a:r>
+              <a:rPr lang="es-ES" dirty="0" smtClean="0"/>
+              <a:t>"</a:t>
+            </a:r>
+            <a:endParaRPr lang="es-ES" dirty="0" smtClean="0"/>
+          </a:p>
+          <a:p>
+            <a:r>
+              <a:rPr lang="es-ES" dirty="0" smtClean="0"/>
+              <a:t>	}</a:t>
+            </a:r>
+            <a:endParaRPr lang="es-ES" dirty="0" smtClean="0"/>
+          </a:p>
+          <a:p>
+            <a:r>
+              <a:rPr lang="es-ES" dirty="0" smtClean="0"/>
+              <a:t>})</a:t>
+            </a:r>
+            <a:endParaRPr lang="es-ES" dirty="0"/>
+          </a:p>
+        </p:txBody>
+      </p:sp>
+      <p:sp>
+        <p:nvSpPr>
+          <p:cNvPr id="3" name="2 CuadroTexto"/>
+          <p:cNvSpPr txBox="1"/>
+          <p:nvPr/>
+        </p:nvSpPr>
+        <p:spPr>
+          <a:xfrm>
+            <a:off x="2843808" y="548680"/>
+            <a:ext cx="3672408" cy="1200329"/>
+          </a:xfrm>
+          <a:prstGeom prst="rect">
+            <a:avLst/>
+          </a:prstGeom>
+          <a:solidFill>
+            <a:schemeClr val="bg1">
+              <a:lumMod val="95000"/>
+            </a:schemeClr>
+          </a:solidFill>
+        </p:spPr>
+        <p:txBody>
+          <a:bodyPr wrap="square" rtlCol="0">
+            <a:spAutoFit/>
+          </a:bodyPr>
+          <a:lstStyle/>
+          <a:p>
+            <a:r>
+              <a:rPr lang="es-ES" dirty="0" smtClean="0"/>
+              <a:t>axios.post(</a:t>
+            </a:r>
+            <a:r>
+              <a:rPr lang="es-ES" dirty="0" err="1" smtClean="0"/>
+              <a:t>url</a:t>
+            </a:r>
+            <a:r>
+              <a:rPr lang="es-ES" dirty="0" smtClean="0"/>
+              <a:t>,{</a:t>
+            </a:r>
+          </a:p>
+          <a:p>
+            <a:r>
+              <a:rPr lang="es-ES" dirty="0" smtClean="0"/>
+              <a:t>	</a:t>
+            </a:r>
+            <a:r>
+              <a:rPr lang="es-ES" dirty="0" err="1" smtClean="0"/>
+              <a:t>username:user</a:t>
+            </a:r>
+            <a:r>
+              <a:rPr lang="es-ES" dirty="0" smtClean="0"/>
+              <a:t>,</a:t>
+            </a:r>
+          </a:p>
+          <a:p>
+            <a:r>
+              <a:rPr lang="es-ES" dirty="0" smtClean="0"/>
+              <a:t>	</a:t>
+            </a:r>
+            <a:r>
+              <a:rPr lang="es-ES" dirty="0" err="1" smtClean="0"/>
+              <a:t>password:pass</a:t>
+            </a:r>
+            <a:endParaRPr lang="es-ES" dirty="0" smtClean="0"/>
+          </a:p>
+          <a:p>
+            <a:r>
+              <a:rPr lang="es-ES" dirty="0" smtClean="0"/>
+              <a:t>})</a:t>
+            </a:r>
+          </a:p>
+        </p:txBody>
+      </p:sp>
+      <p:sp>
+        <p:nvSpPr>
+          <p:cNvPr id="4" name="3 CuadroTexto"/>
+          <p:cNvSpPr txBox="1"/>
+          <p:nvPr/>
+        </p:nvSpPr>
+        <p:spPr>
+          <a:xfrm>
+            <a:off x="323528" y="764704"/>
+            <a:ext cx="1584176" cy="646331"/>
+          </a:xfrm>
+          <a:prstGeom prst="rect">
+            <a:avLst/>
+          </a:prstGeom>
+          <a:noFill/>
+        </p:spPr>
+        <p:txBody>
+          <a:bodyPr wrap="square" rtlCol="0">
+            <a:spAutoFit/>
+          </a:bodyPr>
+          <a:lstStyle/>
+          <a:p>
+            <a:r>
+              <a:rPr lang="es-ES" dirty="0" smtClean="0"/>
+              <a:t>obtención de </a:t>
+            </a:r>
+            <a:r>
+              <a:rPr lang="es-ES" dirty="0" err="1" smtClean="0"/>
+              <a:t>token</a:t>
+            </a:r>
+            <a:endParaRPr lang="es-ES" dirty="0"/>
+          </a:p>
+        </p:txBody>
+      </p:sp>
+      <p:sp>
+        <p:nvSpPr>
+          <p:cNvPr id="5" name="4 CuadroTexto"/>
+          <p:cNvSpPr txBox="1"/>
+          <p:nvPr/>
+        </p:nvSpPr>
+        <p:spPr>
+          <a:xfrm>
+            <a:off x="467544" y="3068960"/>
+            <a:ext cx="1584176" cy="1200329"/>
+          </a:xfrm>
+          <a:prstGeom prst="rect">
+            <a:avLst/>
+          </a:prstGeom>
+          <a:noFill/>
+        </p:spPr>
+        <p:txBody>
+          <a:bodyPr wrap="square" rtlCol="0">
+            <a:spAutoFit/>
+          </a:bodyPr>
+          <a:lstStyle/>
+          <a:p>
+            <a:r>
+              <a:rPr lang="es-ES" dirty="0" smtClean="0"/>
+              <a:t>envío del </a:t>
+            </a:r>
+            <a:r>
+              <a:rPr lang="es-ES" dirty="0" err="1" smtClean="0"/>
+              <a:t>token</a:t>
+            </a:r>
+            <a:r>
+              <a:rPr lang="es-ES" dirty="0" smtClean="0"/>
+              <a:t> en las llamadas a los recursos</a:t>
+            </a:r>
+            <a:endParaRPr lang="es-ES" dirty="0"/>
+          </a:p>
+        </p:txBody>
+      </p:sp>
+      <p:sp>
+        <p:nvSpPr>
+          <p:cNvPr id="6" name="5 Flecha derecha"/>
+          <p:cNvSpPr/>
+          <p:nvPr/>
+        </p:nvSpPr>
+        <p:spPr>
+          <a:xfrm>
+            <a:off x="1763688" y="1124744"/>
+            <a:ext cx="648072" cy="288032"/>
+          </a:xfrm>
+          <a:prstGeom prst="rightArrow">
+            <a:avLst/>
+          </a:prstGeom>
+        </p:spPr>
+        <p:style>
+          <a:lnRef idx="2">
+            <a:schemeClr val="accent1">
+              <a:shade val="50000"/>
+            </a:schemeClr>
+          </a:lnRef>
+          <a:fillRef idx="1">
+            <a:schemeClr val="accent1"/>
+          </a:fillRef>
+          <a:effectRef idx="0">
+            <a:schemeClr val="accent1"/>
+          </a:effectRef>
+          <a:fontRef idx="minor">
+            <a:schemeClr val="lt1"/>
+          </a:fontRef>
+        </p:style>
+        <p:txBody>
+          <a:bodyPr rtlCol="0" anchor="ctr"/>
+          <a:lstStyle/>
+          <a:p>
+            <a:pPr algn="ctr"/>
+            <a:endParaRPr lang="es-ES"/>
+          </a:p>
+        </p:txBody>
+      </p:sp>
+      <p:sp>
+        <p:nvSpPr>
+          <p:cNvPr id="7" name="6 Flecha derecha"/>
+          <p:cNvSpPr/>
+          <p:nvPr/>
+        </p:nvSpPr>
+        <p:spPr>
+          <a:xfrm>
+            <a:off x="1907704" y="3356992"/>
+            <a:ext cx="720080" cy="288032"/>
+          </a:xfrm>
+          <a:prstGeom prst="rightArrow">
+            <a:avLst/>
+          </a:prstGeom>
+        </p:spPr>
+        <p:style>
+          <a:lnRef idx="2">
+            <a:schemeClr val="accent1">
+              <a:shade val="50000"/>
+            </a:schemeClr>
+          </a:lnRef>
+          <a:fillRef idx="1">
+            <a:schemeClr val="accent1"/>
+          </a:fillRef>
+          <a:effectRef idx="0">
+            <a:schemeClr val="accent1"/>
+          </a:effectRef>
+          <a:fontRef idx="minor">
+            <a:schemeClr val="lt1"/>
+          </a:fontRef>
+        </p:style>
+        <p:txBody>
+          <a:bodyPr rtlCol="0" anchor="ctr"/>
+          <a:lstStyle/>
+          <a:p>
+            <a:pPr algn="ctr"/>
+            <a:endParaRPr lang="es-ES"/>
+          </a:p>
+        </p:txBody>
+      </p:sp>
     </p:spTree>
   </p:cSld>
   <p:clrMapOvr>

--- a/pizarra.pptx
+++ b/pizarra.pptx
@@ -21,6 +21,7 @@
     <p:sldId id="269" r:id="rId15"/>
     <p:sldId id="270" r:id="rId16"/>
     <p:sldId id="271" r:id="rId17"/>
+    <p:sldId id="272" r:id="rId18"/>
   </p:sldIdLst>
   <p:sldSz cx="9144000" cy="6858000" type="screen4x3"/>
   <p:notesSz cx="6858000" cy="9144000"/>
@@ -304,7 +305,7 @@
             <a:fld id="{7A847CFC-816F-41D0-AAC0-9BF4FEBC753E}" type="datetimeFigureOut">
               <a:rPr lang="es-ES" smtClean="0"/>
               <a:pPr/>
-              <a:t>16/06/2025</a:t>
+              <a:t>17/06/2025</a:t>
             </a:fld>
             <a:endParaRPr lang="es-ES"/>
           </a:p>
@@ -471,7 +472,7 @@
             <a:fld id="{7A847CFC-816F-41D0-AAC0-9BF4FEBC753E}" type="datetimeFigureOut">
               <a:rPr lang="es-ES" smtClean="0"/>
               <a:pPr/>
-              <a:t>16/06/2025</a:t>
+              <a:t>17/06/2025</a:t>
             </a:fld>
             <a:endParaRPr lang="es-ES"/>
           </a:p>
@@ -648,7 +649,7 @@
             <a:fld id="{7A847CFC-816F-41D0-AAC0-9BF4FEBC753E}" type="datetimeFigureOut">
               <a:rPr lang="es-ES" smtClean="0"/>
               <a:pPr/>
-              <a:t>16/06/2025</a:t>
+              <a:t>17/06/2025</a:t>
             </a:fld>
             <a:endParaRPr lang="es-ES"/>
           </a:p>
@@ -815,7 +816,7 @@
             <a:fld id="{7A847CFC-816F-41D0-AAC0-9BF4FEBC753E}" type="datetimeFigureOut">
               <a:rPr lang="es-ES" smtClean="0"/>
               <a:pPr/>
-              <a:t>16/06/2025</a:t>
+              <a:t>17/06/2025</a:t>
             </a:fld>
             <a:endParaRPr lang="es-ES"/>
           </a:p>
@@ -1058,7 +1059,7 @@
             <a:fld id="{7A847CFC-816F-41D0-AAC0-9BF4FEBC753E}" type="datetimeFigureOut">
               <a:rPr lang="es-ES" smtClean="0"/>
               <a:pPr/>
-              <a:t>16/06/2025</a:t>
+              <a:t>17/06/2025</a:t>
             </a:fld>
             <a:endParaRPr lang="es-ES"/>
           </a:p>
@@ -1343,7 +1344,7 @@
             <a:fld id="{7A847CFC-816F-41D0-AAC0-9BF4FEBC753E}" type="datetimeFigureOut">
               <a:rPr lang="es-ES" smtClean="0"/>
               <a:pPr/>
-              <a:t>16/06/2025</a:t>
+              <a:t>17/06/2025</a:t>
             </a:fld>
             <a:endParaRPr lang="es-ES"/>
           </a:p>
@@ -1762,7 +1763,7 @@
             <a:fld id="{7A847CFC-816F-41D0-AAC0-9BF4FEBC753E}" type="datetimeFigureOut">
               <a:rPr lang="es-ES" smtClean="0"/>
               <a:pPr/>
-              <a:t>16/06/2025</a:t>
+              <a:t>17/06/2025</a:t>
             </a:fld>
             <a:endParaRPr lang="es-ES"/>
           </a:p>
@@ -1877,7 +1878,7 @@
             <a:fld id="{7A847CFC-816F-41D0-AAC0-9BF4FEBC753E}" type="datetimeFigureOut">
               <a:rPr lang="es-ES" smtClean="0"/>
               <a:pPr/>
-              <a:t>16/06/2025</a:t>
+              <a:t>17/06/2025</a:t>
             </a:fld>
             <a:endParaRPr lang="es-ES"/>
           </a:p>
@@ -1969,7 +1970,7 @@
             <a:fld id="{7A847CFC-816F-41D0-AAC0-9BF4FEBC753E}" type="datetimeFigureOut">
               <a:rPr lang="es-ES" smtClean="0"/>
               <a:pPr/>
-              <a:t>16/06/2025</a:t>
+              <a:t>17/06/2025</a:t>
             </a:fld>
             <a:endParaRPr lang="es-ES"/>
           </a:p>
@@ -2243,7 +2244,7 @@
             <a:fld id="{7A847CFC-816F-41D0-AAC0-9BF4FEBC753E}" type="datetimeFigureOut">
               <a:rPr lang="es-ES" smtClean="0"/>
               <a:pPr/>
-              <a:t>16/06/2025</a:t>
+              <a:t>17/06/2025</a:t>
             </a:fld>
             <a:endParaRPr lang="es-ES"/>
           </a:p>
@@ -2493,7 +2494,7 @@
             <a:fld id="{7A847CFC-816F-41D0-AAC0-9BF4FEBC753E}" type="datetimeFigureOut">
               <a:rPr lang="es-ES" smtClean="0"/>
               <a:pPr/>
-              <a:t>16/06/2025</a:t>
+              <a:t>17/06/2025</a:t>
             </a:fld>
             <a:endParaRPr lang="es-ES"/>
           </a:p>
@@ -2703,7 +2704,7 @@
             <a:fld id="{7A847CFC-816F-41D0-AAC0-9BF4FEBC753E}" type="datetimeFigureOut">
               <a:rPr lang="es-ES" smtClean="0"/>
               <a:pPr/>
-              <a:t>16/06/2025</a:t>
+              <a:t>17/06/2025</a:t>
             </a:fld>
             <a:endParaRPr lang="es-ES"/>
           </a:p>
@@ -5536,14 +5537,12 @@
               <a:rPr lang="es-ES" dirty="0" smtClean="0"/>
               <a:t>"</a:t>
             </a:r>
-            <a:endParaRPr lang="es-ES" dirty="0" smtClean="0"/>
           </a:p>
           <a:p>
             <a:r>
               <a:rPr lang="es-ES" dirty="0" smtClean="0"/>
               <a:t>	}</a:t>
             </a:r>
-            <a:endParaRPr lang="es-ES" dirty="0" smtClean="0"/>
           </a:p>
           <a:p>
             <a:r>
@@ -5775,6 +5774,361 @@
           <a:p>
             <a:pPr algn="ctr"/>
             <a:endParaRPr lang="es-ES"/>
+          </a:p>
+        </p:txBody>
+      </p:sp>
+    </p:spTree>
+  </p:cSld>
+  <p:clrMapOvr>
+    <a:masterClrMapping/>
+  </p:clrMapOvr>
+</p:sld>
+</file>
+
+<file path=ppt/slides/slide17.xml><?xml version="1.0" encoding="utf-8"?>
+<p:sld xmlns:a="http://schemas.openxmlformats.org/drawingml/2006/main" xmlns:r="http://schemas.openxmlformats.org/officeDocument/2006/relationships" xmlns:p="http://schemas.openxmlformats.org/presentationml/2006/main">
+  <p:cSld>
+    <p:spTree>
+      <p:nvGrpSpPr>
+        <p:cNvPr id="1" name=""/>
+        <p:cNvGrpSpPr/>
+        <p:nvPr/>
+      </p:nvGrpSpPr>
+      <p:grpSpPr>
+        <a:xfrm>
+          <a:off x="0" y="0"/>
+          <a:ext cx="0" cy="0"/>
+          <a:chOff x="0" y="0"/>
+          <a:chExt cx="0" cy="0"/>
+        </a:xfrm>
+      </p:grpSpPr>
+      <p:sp>
+        <p:nvSpPr>
+          <p:cNvPr id="2" name="1 Rectángulo"/>
+          <p:cNvSpPr/>
+          <p:nvPr/>
+        </p:nvSpPr>
+        <p:spPr>
+          <a:xfrm>
+            <a:off x="971600" y="692696"/>
+            <a:ext cx="4608512" cy="2952328"/>
+          </a:xfrm>
+          <a:prstGeom prst="rect">
+            <a:avLst/>
+          </a:prstGeom>
+          <a:solidFill>
+            <a:schemeClr val="bg1">
+              <a:lumMod val="95000"/>
+            </a:schemeClr>
+          </a:solidFill>
+        </p:spPr>
+        <p:style>
+          <a:lnRef idx="2">
+            <a:schemeClr val="accent1">
+              <a:shade val="50000"/>
+            </a:schemeClr>
+          </a:lnRef>
+          <a:fillRef idx="1">
+            <a:schemeClr val="accent1"/>
+          </a:fillRef>
+          <a:effectRef idx="0">
+            <a:schemeClr val="accent1"/>
+          </a:effectRef>
+          <a:fontRef idx="minor">
+            <a:schemeClr val="lt1"/>
+          </a:fontRef>
+        </p:style>
+        <p:txBody>
+          <a:bodyPr rtlCol="0" anchor="ctr"/>
+          <a:lstStyle/>
+          <a:p>
+            <a:pPr algn="ctr"/>
+            <a:endParaRPr lang="es-ES"/>
+          </a:p>
+        </p:txBody>
+      </p:sp>
+      <p:sp>
+        <p:nvSpPr>
+          <p:cNvPr id="3" name="2 CuadroTexto"/>
+          <p:cNvSpPr txBox="1"/>
+          <p:nvPr/>
+        </p:nvSpPr>
+        <p:spPr>
+          <a:xfrm>
+            <a:off x="1187624" y="1484784"/>
+            <a:ext cx="1368152" cy="369332"/>
+          </a:xfrm>
+          <a:prstGeom prst="rect">
+            <a:avLst/>
+          </a:prstGeom>
+          <a:noFill/>
+        </p:spPr>
+        <p:txBody>
+          <a:bodyPr wrap="square" rtlCol="0">
+            <a:spAutoFit/>
+          </a:bodyPr>
+          <a:lstStyle/>
+          <a:p>
+            <a:r>
+              <a:rPr lang="es-ES" dirty="0" smtClean="0"/>
+              <a:t>usuario:</a:t>
+            </a:r>
+            <a:endParaRPr lang="es-ES" dirty="0"/>
+          </a:p>
+        </p:txBody>
+      </p:sp>
+      <p:sp>
+        <p:nvSpPr>
+          <p:cNvPr id="4" name="3 Rectángulo"/>
+          <p:cNvSpPr/>
+          <p:nvPr/>
+        </p:nvSpPr>
+        <p:spPr>
+          <a:xfrm>
+            <a:off x="2411760" y="1556792"/>
+            <a:ext cx="1224136" cy="288032"/>
+          </a:xfrm>
+          <a:prstGeom prst="rect">
+            <a:avLst/>
+          </a:prstGeom>
+          <a:solidFill>
+            <a:schemeClr val="bg1"/>
+          </a:solidFill>
+        </p:spPr>
+        <p:style>
+          <a:lnRef idx="2">
+            <a:schemeClr val="accent1">
+              <a:shade val="50000"/>
+            </a:schemeClr>
+          </a:lnRef>
+          <a:fillRef idx="1">
+            <a:schemeClr val="accent1"/>
+          </a:fillRef>
+          <a:effectRef idx="0">
+            <a:schemeClr val="accent1"/>
+          </a:effectRef>
+          <a:fontRef idx="minor">
+            <a:schemeClr val="lt1"/>
+          </a:fontRef>
+        </p:style>
+        <p:txBody>
+          <a:bodyPr rtlCol="0" anchor="ctr"/>
+          <a:lstStyle/>
+          <a:p>
+            <a:pPr algn="ctr"/>
+            <a:endParaRPr lang="es-ES"/>
+          </a:p>
+        </p:txBody>
+      </p:sp>
+      <p:sp>
+        <p:nvSpPr>
+          <p:cNvPr id="5" name="4 CuadroTexto"/>
+          <p:cNvSpPr txBox="1"/>
+          <p:nvPr/>
+        </p:nvSpPr>
+        <p:spPr>
+          <a:xfrm>
+            <a:off x="1187624" y="2132856"/>
+            <a:ext cx="1368152" cy="369332"/>
+          </a:xfrm>
+          <a:prstGeom prst="rect">
+            <a:avLst/>
+          </a:prstGeom>
+          <a:noFill/>
+        </p:spPr>
+        <p:txBody>
+          <a:bodyPr wrap="square" rtlCol="0">
+            <a:spAutoFit/>
+          </a:bodyPr>
+          <a:lstStyle/>
+          <a:p>
+            <a:r>
+              <a:rPr lang="es-ES" dirty="0" err="1" smtClean="0"/>
+              <a:t>password</a:t>
+            </a:r>
+            <a:r>
+              <a:rPr lang="es-ES" dirty="0" smtClean="0"/>
+              <a:t>:</a:t>
+            </a:r>
+            <a:endParaRPr lang="es-ES" dirty="0"/>
+          </a:p>
+        </p:txBody>
+      </p:sp>
+      <p:sp>
+        <p:nvSpPr>
+          <p:cNvPr id="6" name="5 Rectángulo"/>
+          <p:cNvSpPr/>
+          <p:nvPr/>
+        </p:nvSpPr>
+        <p:spPr>
+          <a:xfrm>
+            <a:off x="2411760" y="2204864"/>
+            <a:ext cx="1224136" cy="288032"/>
+          </a:xfrm>
+          <a:prstGeom prst="rect">
+            <a:avLst/>
+          </a:prstGeom>
+          <a:solidFill>
+            <a:schemeClr val="bg1"/>
+          </a:solidFill>
+        </p:spPr>
+        <p:style>
+          <a:lnRef idx="2">
+            <a:schemeClr val="accent1">
+              <a:shade val="50000"/>
+            </a:schemeClr>
+          </a:lnRef>
+          <a:fillRef idx="1">
+            <a:schemeClr val="accent1"/>
+          </a:fillRef>
+          <a:effectRef idx="0">
+            <a:schemeClr val="accent1"/>
+          </a:effectRef>
+          <a:fontRef idx="minor">
+            <a:schemeClr val="lt1"/>
+          </a:fontRef>
+        </p:style>
+        <p:txBody>
+          <a:bodyPr rtlCol="0" anchor="ctr"/>
+          <a:lstStyle/>
+          <a:p>
+            <a:pPr algn="ctr"/>
+            <a:endParaRPr lang="es-ES"/>
+          </a:p>
+        </p:txBody>
+      </p:sp>
+      <p:sp>
+        <p:nvSpPr>
+          <p:cNvPr id="7" name="6 Rectángulo redondeado"/>
+          <p:cNvSpPr/>
+          <p:nvPr/>
+        </p:nvSpPr>
+        <p:spPr>
+          <a:xfrm>
+            <a:off x="2699792" y="2924944"/>
+            <a:ext cx="1368152" cy="360040"/>
+          </a:xfrm>
+          <a:prstGeom prst="roundRect">
+            <a:avLst/>
+          </a:prstGeom>
+          <a:solidFill>
+            <a:schemeClr val="bg1">
+              <a:lumMod val="95000"/>
+            </a:schemeClr>
+          </a:solidFill>
+        </p:spPr>
+        <p:style>
+          <a:lnRef idx="2">
+            <a:schemeClr val="accent1">
+              <a:shade val="50000"/>
+            </a:schemeClr>
+          </a:lnRef>
+          <a:fillRef idx="1">
+            <a:schemeClr val="accent1"/>
+          </a:fillRef>
+          <a:effectRef idx="0">
+            <a:schemeClr val="accent1"/>
+          </a:effectRef>
+          <a:fontRef idx="minor">
+            <a:schemeClr val="lt1"/>
+          </a:fontRef>
+        </p:style>
+        <p:txBody>
+          <a:bodyPr rtlCol="0" anchor="ctr"/>
+          <a:lstStyle/>
+          <a:p>
+            <a:pPr algn="ctr"/>
+            <a:endParaRPr lang="es-ES"/>
+          </a:p>
+        </p:txBody>
+      </p:sp>
+      <p:sp>
+        <p:nvSpPr>
+          <p:cNvPr id="8" name="7 CuadroTexto"/>
+          <p:cNvSpPr txBox="1"/>
+          <p:nvPr/>
+        </p:nvSpPr>
+        <p:spPr>
+          <a:xfrm>
+            <a:off x="2915816" y="2924944"/>
+            <a:ext cx="1224136" cy="369332"/>
+          </a:xfrm>
+          <a:prstGeom prst="rect">
+            <a:avLst/>
+          </a:prstGeom>
+          <a:noFill/>
+        </p:spPr>
+        <p:txBody>
+          <a:bodyPr wrap="square" rtlCol="0">
+            <a:spAutoFit/>
+          </a:bodyPr>
+          <a:lstStyle/>
+          <a:p>
+            <a:r>
+              <a:rPr lang="es-ES" dirty="0" smtClean="0"/>
+              <a:t>Validar</a:t>
+            </a:r>
+            <a:endParaRPr lang="es-ES" dirty="0"/>
+          </a:p>
+        </p:txBody>
+      </p:sp>
+      <p:sp>
+        <p:nvSpPr>
+          <p:cNvPr id="9" name="8 CuadroTexto"/>
+          <p:cNvSpPr txBox="1"/>
+          <p:nvPr/>
+        </p:nvSpPr>
+        <p:spPr>
+          <a:xfrm>
+            <a:off x="1331640" y="836712"/>
+            <a:ext cx="1368152" cy="369332"/>
+          </a:xfrm>
+          <a:prstGeom prst="rect">
+            <a:avLst/>
+          </a:prstGeom>
+          <a:noFill/>
+        </p:spPr>
+        <p:txBody>
+          <a:bodyPr wrap="square" rtlCol="0">
+            <a:spAutoFit/>
+          </a:bodyPr>
+          <a:lstStyle/>
+          <a:p>
+            <a:r>
+              <a:rPr lang="es-ES" u="sng" dirty="0" smtClean="0"/>
+              <a:t>Catalogo</a:t>
+            </a:r>
+            <a:endParaRPr lang="es-ES" u="sng" dirty="0"/>
+          </a:p>
+        </p:txBody>
+      </p:sp>
+      <p:sp>
+        <p:nvSpPr>
+          <p:cNvPr id="10" name="9 CuadroTexto"/>
+          <p:cNvSpPr txBox="1"/>
+          <p:nvPr/>
+        </p:nvSpPr>
+        <p:spPr>
+          <a:xfrm>
+            <a:off x="3851920" y="836712"/>
+            <a:ext cx="1368152" cy="369332"/>
+          </a:xfrm>
+          <a:prstGeom prst="rect">
+            <a:avLst/>
+          </a:prstGeom>
+          <a:noFill/>
+        </p:spPr>
+        <p:txBody>
+          <a:bodyPr wrap="square" rtlCol="0">
+            <a:spAutoFit/>
+          </a:bodyPr>
+          <a:lstStyle/>
+          <a:p>
+            <a:r>
+              <a:rPr lang="es-ES" u="sng" smtClean="0"/>
+              <a:t>Mis compras</a:t>
+            </a:r>
+            <a:endParaRPr lang="es-ES" u="sng" dirty="0"/>
           </a:p>
         </p:txBody>
       </p:sp>

--- a/pizarra.pptx
+++ b/pizarra.pptx
@@ -22,6 +22,7 @@
     <p:sldId id="270" r:id="rId16"/>
     <p:sldId id="271" r:id="rId17"/>
     <p:sldId id="272" r:id="rId18"/>
+    <p:sldId id="273" r:id="rId19"/>
   </p:sldIdLst>
   <p:sldSz cx="9144000" cy="6858000" type="screen4x3"/>
   <p:notesSz cx="6858000" cy="9144000"/>
@@ -305,7 +306,7 @@
             <a:fld id="{7A847CFC-816F-41D0-AAC0-9BF4FEBC753E}" type="datetimeFigureOut">
               <a:rPr lang="es-ES" smtClean="0"/>
               <a:pPr/>
-              <a:t>17/06/2025</a:t>
+              <a:t>26/06/2025</a:t>
             </a:fld>
             <a:endParaRPr lang="es-ES"/>
           </a:p>
@@ -472,7 +473,7 @@
             <a:fld id="{7A847CFC-816F-41D0-AAC0-9BF4FEBC753E}" type="datetimeFigureOut">
               <a:rPr lang="es-ES" smtClean="0"/>
               <a:pPr/>
-              <a:t>17/06/2025</a:t>
+              <a:t>26/06/2025</a:t>
             </a:fld>
             <a:endParaRPr lang="es-ES"/>
           </a:p>
@@ -649,7 +650,7 @@
             <a:fld id="{7A847CFC-816F-41D0-AAC0-9BF4FEBC753E}" type="datetimeFigureOut">
               <a:rPr lang="es-ES" smtClean="0"/>
               <a:pPr/>
-              <a:t>17/06/2025</a:t>
+              <a:t>26/06/2025</a:t>
             </a:fld>
             <a:endParaRPr lang="es-ES"/>
           </a:p>
@@ -816,7 +817,7 @@
             <a:fld id="{7A847CFC-816F-41D0-AAC0-9BF4FEBC753E}" type="datetimeFigureOut">
               <a:rPr lang="es-ES" smtClean="0"/>
               <a:pPr/>
-              <a:t>17/06/2025</a:t>
+              <a:t>26/06/2025</a:t>
             </a:fld>
             <a:endParaRPr lang="es-ES"/>
           </a:p>
@@ -1059,7 +1060,7 @@
             <a:fld id="{7A847CFC-816F-41D0-AAC0-9BF4FEBC753E}" type="datetimeFigureOut">
               <a:rPr lang="es-ES" smtClean="0"/>
               <a:pPr/>
-              <a:t>17/06/2025</a:t>
+              <a:t>26/06/2025</a:t>
             </a:fld>
             <a:endParaRPr lang="es-ES"/>
           </a:p>
@@ -1344,7 +1345,7 @@
             <a:fld id="{7A847CFC-816F-41D0-AAC0-9BF4FEBC753E}" type="datetimeFigureOut">
               <a:rPr lang="es-ES" smtClean="0"/>
               <a:pPr/>
-              <a:t>17/06/2025</a:t>
+              <a:t>26/06/2025</a:t>
             </a:fld>
             <a:endParaRPr lang="es-ES"/>
           </a:p>
@@ -1763,7 +1764,7 @@
             <a:fld id="{7A847CFC-816F-41D0-AAC0-9BF4FEBC753E}" type="datetimeFigureOut">
               <a:rPr lang="es-ES" smtClean="0"/>
               <a:pPr/>
-              <a:t>17/06/2025</a:t>
+              <a:t>26/06/2025</a:t>
             </a:fld>
             <a:endParaRPr lang="es-ES"/>
           </a:p>
@@ -1878,7 +1879,7 @@
             <a:fld id="{7A847CFC-816F-41D0-AAC0-9BF4FEBC753E}" type="datetimeFigureOut">
               <a:rPr lang="es-ES" smtClean="0"/>
               <a:pPr/>
-              <a:t>17/06/2025</a:t>
+              <a:t>26/06/2025</a:t>
             </a:fld>
             <a:endParaRPr lang="es-ES"/>
           </a:p>
@@ -1970,7 +1971,7 @@
             <a:fld id="{7A847CFC-816F-41D0-AAC0-9BF4FEBC753E}" type="datetimeFigureOut">
               <a:rPr lang="es-ES" smtClean="0"/>
               <a:pPr/>
-              <a:t>17/06/2025</a:t>
+              <a:t>26/06/2025</a:t>
             </a:fld>
             <a:endParaRPr lang="es-ES"/>
           </a:p>
@@ -2244,7 +2245,7 @@
             <a:fld id="{7A847CFC-816F-41D0-AAC0-9BF4FEBC753E}" type="datetimeFigureOut">
               <a:rPr lang="es-ES" smtClean="0"/>
               <a:pPr/>
-              <a:t>17/06/2025</a:t>
+              <a:t>26/06/2025</a:t>
             </a:fld>
             <a:endParaRPr lang="es-ES"/>
           </a:p>
@@ -2494,7 +2495,7 @@
             <a:fld id="{7A847CFC-816F-41D0-AAC0-9BF4FEBC753E}" type="datetimeFigureOut">
               <a:rPr lang="es-ES" smtClean="0"/>
               <a:pPr/>
-              <a:t>17/06/2025</a:t>
+              <a:t>26/06/2025</a:t>
             </a:fld>
             <a:endParaRPr lang="es-ES"/>
           </a:p>
@@ -2704,7 +2705,7 @@
             <a:fld id="{7A847CFC-816F-41D0-AAC0-9BF4FEBC753E}" type="datetimeFigureOut">
               <a:rPr lang="es-ES" smtClean="0"/>
               <a:pPr/>
-              <a:t>17/06/2025</a:t>
+              <a:t>26/06/2025</a:t>
             </a:fld>
             <a:endParaRPr lang="es-ES"/>
           </a:p>
@@ -6129,6 +6130,334 @@
               <a:t>Mis compras</a:t>
             </a:r>
             <a:endParaRPr lang="es-ES" u="sng" dirty="0"/>
+          </a:p>
+        </p:txBody>
+      </p:sp>
+    </p:spTree>
+  </p:cSld>
+  <p:clrMapOvr>
+    <a:masterClrMapping/>
+  </p:clrMapOvr>
+</p:sld>
+</file>
+
+<file path=ppt/slides/slide18.xml><?xml version="1.0" encoding="utf-8"?>
+<p:sld xmlns:a="http://schemas.openxmlformats.org/drawingml/2006/main" xmlns:r="http://schemas.openxmlformats.org/officeDocument/2006/relationships" xmlns:p="http://schemas.openxmlformats.org/presentationml/2006/main">
+  <p:cSld>
+    <p:spTree>
+      <p:nvGrpSpPr>
+        <p:cNvPr id="1" name=""/>
+        <p:cNvGrpSpPr/>
+        <p:nvPr/>
+      </p:nvGrpSpPr>
+      <p:grpSpPr>
+        <a:xfrm>
+          <a:off x="0" y="0"/>
+          <a:ext cx="0" cy="0"/>
+          <a:chOff x="0" y="0"/>
+          <a:chExt cx="0" cy="0"/>
+        </a:xfrm>
+      </p:grpSpPr>
+      <p:sp>
+        <p:nvSpPr>
+          <p:cNvPr id="2" name="1 CuadroTexto"/>
+          <p:cNvSpPr txBox="1"/>
+          <p:nvPr/>
+        </p:nvSpPr>
+        <p:spPr>
+          <a:xfrm>
+            <a:off x="1187624" y="692696"/>
+            <a:ext cx="6912768" cy="369332"/>
+          </a:xfrm>
+          <a:prstGeom prst="rect">
+            <a:avLst/>
+          </a:prstGeom>
+          <a:noFill/>
+        </p:spPr>
+        <p:txBody>
+          <a:bodyPr wrap="square" rtlCol="0">
+            <a:spAutoFit/>
+          </a:bodyPr>
+          <a:lstStyle/>
+          <a:p>
+            <a:r>
+              <a:rPr lang="es-ES" dirty="0" smtClean="0"/>
+              <a:t>Creación proyecto </a:t>
+            </a:r>
+            <a:r>
+              <a:rPr lang="es-ES" dirty="0" err="1" smtClean="0"/>
+              <a:t>nestjs</a:t>
+            </a:r>
+            <a:r>
+              <a:rPr lang="es-ES" dirty="0" smtClean="0"/>
+              <a:t> contra </a:t>
+            </a:r>
+            <a:r>
+              <a:rPr lang="es-ES" dirty="0" err="1" smtClean="0"/>
+              <a:t>mongodb</a:t>
+            </a:r>
+            <a:endParaRPr lang="es-ES" dirty="0"/>
+          </a:p>
+        </p:txBody>
+      </p:sp>
+      <p:sp>
+        <p:nvSpPr>
+          <p:cNvPr id="3" name="2 CuadroTexto"/>
+          <p:cNvSpPr txBox="1"/>
+          <p:nvPr/>
+        </p:nvSpPr>
+        <p:spPr>
+          <a:xfrm>
+            <a:off x="323528" y="1916832"/>
+            <a:ext cx="8532440" cy="3416320"/>
+          </a:xfrm>
+          <a:prstGeom prst="rect">
+            <a:avLst/>
+          </a:prstGeom>
+          <a:solidFill>
+            <a:schemeClr val="bg1">
+              <a:lumMod val="95000"/>
+            </a:schemeClr>
+          </a:solidFill>
+        </p:spPr>
+        <p:txBody>
+          <a:bodyPr wrap="square" rtlCol="0">
+            <a:spAutoFit/>
+          </a:bodyPr>
+          <a:lstStyle/>
+          <a:p>
+            <a:r>
+              <a:rPr lang="es-ES" dirty="0" smtClean="0"/>
+              <a:t>-Crear el proyecto </a:t>
+            </a:r>
+            <a:r>
+              <a:rPr lang="es-ES" dirty="0" err="1" smtClean="0"/>
+              <a:t>nest</a:t>
+            </a:r>
+            <a:endParaRPr lang="es-ES" dirty="0" smtClean="0"/>
+          </a:p>
+          <a:p>
+            <a:r>
+              <a:rPr lang="es-ES" dirty="0" smtClean="0"/>
+              <a:t>-Instalar la librería </a:t>
+            </a:r>
+            <a:r>
+              <a:rPr lang="es-ES" dirty="0" err="1" smtClean="0"/>
+              <a:t>Mongoose</a:t>
+            </a:r>
+            <a:r>
+              <a:rPr lang="es-ES" dirty="0" smtClean="0"/>
+              <a:t>:</a:t>
+            </a:r>
+          </a:p>
+          <a:p>
+            <a:r>
+              <a:rPr lang="es-ES" dirty="0" smtClean="0"/>
+              <a:t>	</a:t>
+            </a:r>
+            <a:r>
+              <a:rPr lang="es-ES" dirty="0" err="1" smtClean="0"/>
+              <a:t>npm</a:t>
+            </a:r>
+            <a:r>
+              <a:rPr lang="es-ES" dirty="0" smtClean="0"/>
+              <a:t> </a:t>
+            </a:r>
+            <a:r>
+              <a:rPr lang="es-ES" dirty="0" err="1" smtClean="0"/>
+              <a:t>install</a:t>
+            </a:r>
+            <a:r>
+              <a:rPr lang="es-ES" dirty="0" smtClean="0"/>
+              <a:t> @</a:t>
+            </a:r>
+            <a:r>
+              <a:rPr lang="es-ES" dirty="0" err="1" smtClean="0"/>
+              <a:t>nestjs</a:t>
+            </a:r>
+            <a:r>
+              <a:rPr lang="es-ES" dirty="0" smtClean="0"/>
+              <a:t>/</a:t>
+            </a:r>
+            <a:r>
+              <a:rPr lang="es-ES" dirty="0" err="1" smtClean="0"/>
+              <a:t>mongoose</a:t>
+            </a:r>
+            <a:r>
+              <a:rPr lang="es-ES" dirty="0" smtClean="0"/>
+              <a:t> </a:t>
+            </a:r>
+            <a:r>
+              <a:rPr lang="es-ES" dirty="0" err="1" smtClean="0"/>
+              <a:t>mongoose</a:t>
+            </a:r>
+            <a:endParaRPr lang="es-ES" dirty="0" smtClean="0"/>
+          </a:p>
+          <a:p>
+            <a:r>
+              <a:rPr lang="es-ES" dirty="0" smtClean="0"/>
+              <a:t>-Crear el modelo de datos (entidades). Cada clase en su archivo con extensión  </a:t>
+            </a:r>
+            <a:r>
+              <a:rPr lang="es-ES" dirty="0" err="1" smtClean="0"/>
+              <a:t>schema.ts</a:t>
+            </a:r>
+            <a:endParaRPr lang="es-ES" dirty="0" smtClean="0"/>
+          </a:p>
+          <a:p>
+            <a:r>
+              <a:rPr lang="es-ES" dirty="0" smtClean="0"/>
+              <a:t>-En ese archivo se crea la clase de entidad, además de las </a:t>
+            </a:r>
+            <a:r>
+              <a:rPr lang="es-ES" dirty="0" err="1" smtClean="0"/>
+              <a:t>Document</a:t>
+            </a:r>
+            <a:r>
+              <a:rPr lang="es-ES" dirty="0" smtClean="0"/>
+              <a:t> y </a:t>
+            </a:r>
+            <a:r>
+              <a:rPr lang="es-ES" dirty="0" err="1" smtClean="0"/>
+              <a:t>Schema</a:t>
+            </a:r>
+            <a:endParaRPr lang="es-ES" dirty="0" smtClean="0"/>
+          </a:p>
+          <a:p>
+            <a:r>
+              <a:rPr lang="es-ES" dirty="0" smtClean="0"/>
+              <a:t>-Se crea el </a:t>
+            </a:r>
+            <a:r>
+              <a:rPr lang="es-ES" dirty="0" err="1" smtClean="0"/>
+              <a:t>service</a:t>
+            </a:r>
+            <a:r>
+              <a:rPr lang="es-ES" dirty="0" smtClean="0"/>
+              <a:t> </a:t>
+            </a:r>
+            <a:r>
+              <a:rPr lang="es-ES" dirty="0" smtClean="0"/>
+              <a:t>y en el se </a:t>
+            </a:r>
+            <a:r>
+              <a:rPr lang="es-ES" dirty="0" err="1" smtClean="0"/>
+              <a:t>injecta</a:t>
+            </a:r>
+            <a:r>
+              <a:rPr lang="es-ES" dirty="0" smtClean="0"/>
+              <a:t> un </a:t>
+            </a:r>
+            <a:r>
+              <a:rPr lang="es-ES" dirty="0" err="1" smtClean="0"/>
+              <a:t>Model</a:t>
+            </a:r>
+            <a:r>
+              <a:rPr lang="es-ES" dirty="0" smtClean="0"/>
+              <a:t>&lt;</a:t>
+            </a:r>
+            <a:r>
+              <a:rPr lang="es-ES" dirty="0" err="1" smtClean="0"/>
+              <a:t>ClaseDocument</a:t>
+            </a:r>
+            <a:r>
+              <a:rPr lang="es-ES" dirty="0" smtClean="0"/>
+              <a:t>&gt; que es el equivalente al </a:t>
+            </a:r>
+            <a:r>
+              <a:rPr lang="es-ES" dirty="0" err="1" smtClean="0"/>
+              <a:t>Repository</a:t>
+            </a:r>
+            <a:r>
+              <a:rPr lang="es-ES" dirty="0" smtClean="0"/>
+              <a:t> de </a:t>
+            </a:r>
+            <a:r>
+              <a:rPr lang="es-ES" dirty="0" err="1" smtClean="0"/>
+              <a:t>TypeORM</a:t>
+            </a:r>
+            <a:endParaRPr lang="es-ES" dirty="0" smtClean="0"/>
+          </a:p>
+          <a:p>
+            <a:r>
+              <a:rPr lang="es-ES" dirty="0" smtClean="0"/>
+              <a:t>-La configuración se define en el </a:t>
+            </a:r>
+            <a:r>
+              <a:rPr lang="es-ES" dirty="0" err="1" smtClean="0"/>
+              <a:t>AppModule</a:t>
+            </a:r>
+            <a:r>
+              <a:rPr lang="es-ES" dirty="0" smtClean="0"/>
+              <a:t>, mediante la inclusión en la sección </a:t>
+            </a:r>
+            <a:r>
+              <a:rPr lang="es-ES" dirty="0" err="1" smtClean="0"/>
+              <a:t>import</a:t>
+            </a:r>
+            <a:r>
+              <a:rPr lang="es-ES" dirty="0" smtClean="0"/>
+              <a:t> de:</a:t>
+            </a:r>
+          </a:p>
+          <a:p>
+            <a:r>
+              <a:rPr lang="es-ES" dirty="0" smtClean="0"/>
+              <a:t> </a:t>
+            </a:r>
+            <a:r>
+              <a:rPr lang="es-ES" dirty="0" smtClean="0"/>
+              <a:t>           </a:t>
+            </a:r>
+            <a:r>
+              <a:rPr lang="es-ES" dirty="0" err="1" smtClean="0"/>
+              <a:t>MongooseModule.forFeature</a:t>
+            </a:r>
+            <a:r>
+              <a:rPr lang="es-ES" dirty="0" smtClean="0"/>
+              <a:t>([{ </a:t>
+            </a:r>
+            <a:r>
+              <a:rPr lang="es-ES" dirty="0" err="1" smtClean="0"/>
+              <a:t>name</a:t>
+            </a:r>
+            <a:r>
+              <a:rPr lang="es-ES" dirty="0" smtClean="0"/>
+              <a:t>: Curso.name, </a:t>
+            </a:r>
+            <a:r>
+              <a:rPr lang="es-ES" dirty="0" err="1" smtClean="0"/>
+              <a:t>schema</a:t>
+            </a:r>
+            <a:r>
+              <a:rPr lang="es-ES" dirty="0" smtClean="0"/>
+              <a:t>: </a:t>
+            </a:r>
+            <a:r>
+              <a:rPr lang="es-ES" dirty="0" err="1" smtClean="0"/>
+              <a:t>CursoSchema</a:t>
+            </a:r>
+            <a:r>
+              <a:rPr lang="es-ES" dirty="0" smtClean="0"/>
+              <a:t> }]),</a:t>
+            </a:r>
+          </a:p>
+          <a:p>
+            <a:r>
+              <a:rPr lang="es-ES" dirty="0" smtClean="0"/>
+              <a:t>            </a:t>
+            </a:r>
+            <a:r>
+              <a:rPr lang="es-ES" dirty="0" err="1" smtClean="0"/>
+              <a:t>MongooseModule.forRoot</a:t>
+            </a:r>
+            <a:r>
+              <a:rPr lang="es-ES" dirty="0" smtClean="0"/>
+              <a:t>('mongodb://localhost:27017/escuela')</a:t>
+            </a:r>
+          </a:p>
+          <a:p>
+            <a:endParaRPr lang="es-ES" dirty="0"/>
           </a:p>
         </p:txBody>
       </p:sp>
